--- a/src/main/resources/static/presentation.pptx
+++ b/src/main/resources/static/presentation.pptx
@@ -61,7 +61,7 @@
       </p:grpSpPr>
       <p:sp>
         <p:nvSpPr>
-          <p:cNvPr id="26" name="PlaceHolder 1"/>
+          <p:cNvPr id="23" name="PlaceHolder 1"/>
           <p:cNvSpPr>
             <a:spLocks noGrp="1"/>
           </p:cNvSpPr>
@@ -71,8 +71,8 @@
         </p:nvSpPr>
         <p:spPr>
           <a:xfrm>
-            <a:off x="838080" y="365040"/>
-            <a:ext cx="10515240" cy="1325160"/>
+            <a:off x="609480" y="273600"/>
+            <a:ext cx="10972440" cy="1144800"/>
           </a:xfrm>
           <a:prstGeom prst="rect">
             <a:avLst/>
@@ -83,18 +83,16 @@
             <a:noAutofit/>
           </a:bodyPr>
           <a:p>
-            <a:endParaRPr b="0" lang="en-US" sz="1800" spc="-1" strike="noStrike">
-              <a:solidFill>
-                <a:srgbClr val="000000"/>
-              </a:solidFill>
-              <a:latin typeface="Calibri"/>
-            </a:endParaRPr>
-          </a:p>
-        </p:txBody>
-      </p:sp>
-      <p:sp>
-        <p:nvSpPr>
-          <p:cNvPr id="27" name="PlaceHolder 2"/>
+            <a:pPr algn="ctr"/>
+            <a:endParaRPr b="0" lang="en-US" sz="4400" spc="-1" strike="noStrike">
+              <a:latin typeface="Arial"/>
+            </a:endParaRPr>
+          </a:p>
+        </p:txBody>
+      </p:sp>
+      <p:sp>
+        <p:nvSpPr>
+          <p:cNvPr id="24" name="PlaceHolder 2"/>
           <p:cNvSpPr>
             <a:spLocks noGrp="1"/>
           </p:cNvSpPr>
@@ -104,8 +102,8 @@
         </p:nvSpPr>
         <p:spPr>
           <a:xfrm>
-            <a:off x="838080" y="1825560"/>
-            <a:ext cx="10515240" cy="2075040"/>
+            <a:off x="609480" y="1604520"/>
+            <a:ext cx="10972440" cy="1896840"/>
           </a:xfrm>
           <a:prstGeom prst="rect">
             <a:avLst/>
@@ -116,18 +114,15 @@
             <a:normAutofit/>
           </a:bodyPr>
           <a:p>
-            <a:endParaRPr b="0" lang="en-US" sz="2800" spc="-1" strike="noStrike">
-              <a:solidFill>
-                <a:srgbClr val="000000"/>
-              </a:solidFill>
-              <a:latin typeface="Calibri"/>
-            </a:endParaRPr>
-          </a:p>
-        </p:txBody>
-      </p:sp>
-      <p:sp>
-        <p:nvSpPr>
-          <p:cNvPr id="28" name="PlaceHolder 3"/>
+            <a:endParaRPr b="0" lang="en-US" sz="3200" spc="-1" strike="noStrike">
+              <a:latin typeface="Arial"/>
+            </a:endParaRPr>
+          </a:p>
+        </p:txBody>
+      </p:sp>
+      <p:sp>
+        <p:nvSpPr>
+          <p:cNvPr id="25" name="PlaceHolder 3"/>
           <p:cNvSpPr>
             <a:spLocks noGrp="1"/>
           </p:cNvSpPr>
@@ -137,8 +132,8 @@
         </p:nvSpPr>
         <p:spPr>
           <a:xfrm>
-            <a:off x="838080" y="4098240"/>
-            <a:ext cx="10515240" cy="2075040"/>
+            <a:off x="609480" y="3682080"/>
+            <a:ext cx="10972440" cy="1896840"/>
           </a:xfrm>
           <a:prstGeom prst="rect">
             <a:avLst/>
@@ -149,11 +144,8 @@
             <a:normAutofit/>
           </a:bodyPr>
           <a:p>
-            <a:endParaRPr b="0" lang="en-US" sz="2800" spc="-1" strike="noStrike">
-              <a:solidFill>
-                <a:srgbClr val="000000"/>
-              </a:solidFill>
-              <a:latin typeface="Calibri"/>
+            <a:endParaRPr b="0" lang="en-US" sz="3200" spc="-1" strike="noStrike">
+              <a:latin typeface="Arial"/>
             </a:endParaRPr>
           </a:p>
         </p:txBody>
@@ -182,7 +174,7 @@
       </p:grpSpPr>
       <p:sp>
         <p:nvSpPr>
-          <p:cNvPr id="29" name="PlaceHolder 1"/>
+          <p:cNvPr id="26" name="PlaceHolder 1"/>
           <p:cNvSpPr>
             <a:spLocks noGrp="1"/>
           </p:cNvSpPr>
@@ -192,8 +184,8 @@
         </p:nvSpPr>
         <p:spPr>
           <a:xfrm>
-            <a:off x="838080" y="365040"/>
-            <a:ext cx="10515240" cy="1325160"/>
+            <a:off x="609480" y="273600"/>
+            <a:ext cx="10972440" cy="1144800"/>
           </a:xfrm>
           <a:prstGeom prst="rect">
             <a:avLst/>
@@ -204,18 +196,16 @@
             <a:noAutofit/>
           </a:bodyPr>
           <a:p>
-            <a:endParaRPr b="0" lang="en-US" sz="1800" spc="-1" strike="noStrike">
-              <a:solidFill>
-                <a:srgbClr val="000000"/>
-              </a:solidFill>
-              <a:latin typeface="Calibri"/>
-            </a:endParaRPr>
-          </a:p>
-        </p:txBody>
-      </p:sp>
-      <p:sp>
-        <p:nvSpPr>
-          <p:cNvPr id="30" name="PlaceHolder 2"/>
+            <a:pPr algn="ctr"/>
+            <a:endParaRPr b="0" lang="en-US" sz="4400" spc="-1" strike="noStrike">
+              <a:latin typeface="Arial"/>
+            </a:endParaRPr>
+          </a:p>
+        </p:txBody>
+      </p:sp>
+      <p:sp>
+        <p:nvSpPr>
+          <p:cNvPr id="27" name="PlaceHolder 2"/>
           <p:cNvSpPr>
             <a:spLocks noGrp="1"/>
           </p:cNvSpPr>
@@ -225,8 +215,8 @@
         </p:nvSpPr>
         <p:spPr>
           <a:xfrm>
-            <a:off x="838080" y="1825560"/>
-            <a:ext cx="5131080" cy="2075040"/>
+            <a:off x="609480" y="1604520"/>
+            <a:ext cx="5354280" cy="1896840"/>
           </a:xfrm>
           <a:prstGeom prst="rect">
             <a:avLst/>
@@ -237,18 +227,15 @@
             <a:normAutofit/>
           </a:bodyPr>
           <a:p>
-            <a:endParaRPr b="0" lang="en-US" sz="2800" spc="-1" strike="noStrike">
-              <a:solidFill>
-                <a:srgbClr val="000000"/>
-              </a:solidFill>
-              <a:latin typeface="Calibri"/>
-            </a:endParaRPr>
-          </a:p>
-        </p:txBody>
-      </p:sp>
-      <p:sp>
-        <p:nvSpPr>
-          <p:cNvPr id="31" name="PlaceHolder 3"/>
+            <a:endParaRPr b="0" lang="en-US" sz="3200" spc="-1" strike="noStrike">
+              <a:latin typeface="Arial"/>
+            </a:endParaRPr>
+          </a:p>
+        </p:txBody>
+      </p:sp>
+      <p:sp>
+        <p:nvSpPr>
+          <p:cNvPr id="28" name="PlaceHolder 3"/>
           <p:cNvSpPr>
             <a:spLocks noGrp="1"/>
           </p:cNvSpPr>
@@ -258,8 +245,8 @@
         </p:nvSpPr>
         <p:spPr>
           <a:xfrm>
-            <a:off x="6226200" y="1825560"/>
-            <a:ext cx="5131080" cy="2075040"/>
+            <a:off x="6231960" y="1604520"/>
+            <a:ext cx="5354280" cy="1896840"/>
           </a:xfrm>
           <a:prstGeom prst="rect">
             <a:avLst/>
@@ -270,18 +257,15 @@
             <a:normAutofit/>
           </a:bodyPr>
           <a:p>
-            <a:endParaRPr b="0" lang="en-US" sz="2800" spc="-1" strike="noStrike">
-              <a:solidFill>
-                <a:srgbClr val="000000"/>
-              </a:solidFill>
-              <a:latin typeface="Calibri"/>
-            </a:endParaRPr>
-          </a:p>
-        </p:txBody>
-      </p:sp>
-      <p:sp>
-        <p:nvSpPr>
-          <p:cNvPr id="32" name="PlaceHolder 4"/>
+            <a:endParaRPr b="0" lang="en-US" sz="3200" spc="-1" strike="noStrike">
+              <a:latin typeface="Arial"/>
+            </a:endParaRPr>
+          </a:p>
+        </p:txBody>
+      </p:sp>
+      <p:sp>
+        <p:nvSpPr>
+          <p:cNvPr id="29" name="PlaceHolder 4"/>
           <p:cNvSpPr>
             <a:spLocks noGrp="1"/>
           </p:cNvSpPr>
@@ -291,8 +275,8 @@
         </p:nvSpPr>
         <p:spPr>
           <a:xfrm>
-            <a:off x="838080" y="4098240"/>
-            <a:ext cx="5131080" cy="2075040"/>
+            <a:off x="609480" y="3682080"/>
+            <a:ext cx="5354280" cy="1896840"/>
           </a:xfrm>
           <a:prstGeom prst="rect">
             <a:avLst/>
@@ -303,18 +287,15 @@
             <a:normAutofit/>
           </a:bodyPr>
           <a:p>
-            <a:endParaRPr b="0" lang="en-US" sz="2800" spc="-1" strike="noStrike">
-              <a:solidFill>
-                <a:srgbClr val="000000"/>
-              </a:solidFill>
-              <a:latin typeface="Calibri"/>
-            </a:endParaRPr>
-          </a:p>
-        </p:txBody>
-      </p:sp>
-      <p:sp>
-        <p:nvSpPr>
-          <p:cNvPr id="33" name="PlaceHolder 5"/>
+            <a:endParaRPr b="0" lang="en-US" sz="3200" spc="-1" strike="noStrike">
+              <a:latin typeface="Arial"/>
+            </a:endParaRPr>
+          </a:p>
+        </p:txBody>
+      </p:sp>
+      <p:sp>
+        <p:nvSpPr>
+          <p:cNvPr id="30" name="PlaceHolder 5"/>
           <p:cNvSpPr>
             <a:spLocks noGrp="1"/>
           </p:cNvSpPr>
@@ -324,8 +305,8 @@
         </p:nvSpPr>
         <p:spPr>
           <a:xfrm>
-            <a:off x="6226200" y="4098240"/>
-            <a:ext cx="5131080" cy="2075040"/>
+            <a:off x="6231960" y="3682080"/>
+            <a:ext cx="5354280" cy="1896840"/>
           </a:xfrm>
           <a:prstGeom prst="rect">
             <a:avLst/>
@@ -336,11 +317,8 @@
             <a:normAutofit/>
           </a:bodyPr>
           <a:p>
-            <a:endParaRPr b="0" lang="en-US" sz="2800" spc="-1" strike="noStrike">
-              <a:solidFill>
-                <a:srgbClr val="000000"/>
-              </a:solidFill>
-              <a:latin typeface="Calibri"/>
+            <a:endParaRPr b="0" lang="en-US" sz="3200" spc="-1" strike="noStrike">
+              <a:latin typeface="Arial"/>
             </a:endParaRPr>
           </a:p>
         </p:txBody>
@@ -369,7 +347,7 @@
       </p:grpSpPr>
       <p:sp>
         <p:nvSpPr>
-          <p:cNvPr id="34" name="PlaceHolder 1"/>
+          <p:cNvPr id="31" name="PlaceHolder 1"/>
           <p:cNvSpPr>
             <a:spLocks noGrp="1"/>
           </p:cNvSpPr>
@@ -379,8 +357,8 @@
         </p:nvSpPr>
         <p:spPr>
           <a:xfrm>
-            <a:off x="838080" y="365040"/>
-            <a:ext cx="10515240" cy="1325160"/>
+            <a:off x="609480" y="273600"/>
+            <a:ext cx="10972440" cy="1144800"/>
           </a:xfrm>
           <a:prstGeom prst="rect">
             <a:avLst/>
@@ -391,18 +369,16 @@
             <a:noAutofit/>
           </a:bodyPr>
           <a:p>
-            <a:endParaRPr b="0" lang="en-US" sz="1800" spc="-1" strike="noStrike">
-              <a:solidFill>
-                <a:srgbClr val="000000"/>
-              </a:solidFill>
-              <a:latin typeface="Calibri"/>
-            </a:endParaRPr>
-          </a:p>
-        </p:txBody>
-      </p:sp>
-      <p:sp>
-        <p:nvSpPr>
-          <p:cNvPr id="35" name="PlaceHolder 2"/>
+            <a:pPr algn="ctr"/>
+            <a:endParaRPr b="0" lang="en-US" sz="4400" spc="-1" strike="noStrike">
+              <a:latin typeface="Arial"/>
+            </a:endParaRPr>
+          </a:p>
+        </p:txBody>
+      </p:sp>
+      <p:sp>
+        <p:nvSpPr>
+          <p:cNvPr id="32" name="PlaceHolder 2"/>
           <p:cNvSpPr>
             <a:spLocks noGrp="1"/>
           </p:cNvSpPr>
@@ -412,8 +388,8 @@
         </p:nvSpPr>
         <p:spPr>
           <a:xfrm>
-            <a:off x="838080" y="1825560"/>
-            <a:ext cx="3385800" cy="2075040"/>
+            <a:off x="609480" y="1604520"/>
+            <a:ext cx="3533040" cy="1896840"/>
           </a:xfrm>
           <a:prstGeom prst="rect">
             <a:avLst/>
@@ -424,18 +400,15 @@
             <a:normAutofit/>
           </a:bodyPr>
           <a:p>
-            <a:endParaRPr b="0" lang="en-US" sz="2800" spc="-1" strike="noStrike">
-              <a:solidFill>
-                <a:srgbClr val="000000"/>
-              </a:solidFill>
-              <a:latin typeface="Calibri"/>
-            </a:endParaRPr>
-          </a:p>
-        </p:txBody>
-      </p:sp>
-      <p:sp>
-        <p:nvSpPr>
-          <p:cNvPr id="36" name="PlaceHolder 3"/>
+            <a:endParaRPr b="0" lang="en-US" sz="3200" spc="-1" strike="noStrike">
+              <a:latin typeface="Arial"/>
+            </a:endParaRPr>
+          </a:p>
+        </p:txBody>
+      </p:sp>
+      <p:sp>
+        <p:nvSpPr>
+          <p:cNvPr id="33" name="PlaceHolder 3"/>
           <p:cNvSpPr>
             <a:spLocks noGrp="1"/>
           </p:cNvSpPr>
@@ -445,8 +418,8 @@
         </p:nvSpPr>
         <p:spPr>
           <a:xfrm>
-            <a:off x="4393440" y="1825560"/>
-            <a:ext cx="3385800" cy="2075040"/>
+            <a:off x="4319640" y="1604520"/>
+            <a:ext cx="3533040" cy="1896840"/>
           </a:xfrm>
           <a:prstGeom prst="rect">
             <a:avLst/>
@@ -457,18 +430,15 @@
             <a:normAutofit/>
           </a:bodyPr>
           <a:p>
-            <a:endParaRPr b="0" lang="en-US" sz="2800" spc="-1" strike="noStrike">
-              <a:solidFill>
-                <a:srgbClr val="000000"/>
-              </a:solidFill>
-              <a:latin typeface="Calibri"/>
-            </a:endParaRPr>
-          </a:p>
-        </p:txBody>
-      </p:sp>
-      <p:sp>
-        <p:nvSpPr>
-          <p:cNvPr id="37" name="PlaceHolder 4"/>
+            <a:endParaRPr b="0" lang="en-US" sz="3200" spc="-1" strike="noStrike">
+              <a:latin typeface="Arial"/>
+            </a:endParaRPr>
+          </a:p>
+        </p:txBody>
+      </p:sp>
+      <p:sp>
+        <p:nvSpPr>
+          <p:cNvPr id="34" name="PlaceHolder 4"/>
           <p:cNvSpPr>
             <a:spLocks noGrp="1"/>
           </p:cNvSpPr>
@@ -478,8 +448,8 @@
         </p:nvSpPr>
         <p:spPr>
           <a:xfrm>
-            <a:off x="7949160" y="1825560"/>
-            <a:ext cx="3385800" cy="2075040"/>
+            <a:off x="8029800" y="1604520"/>
+            <a:ext cx="3533040" cy="1896840"/>
           </a:xfrm>
           <a:prstGeom prst="rect">
             <a:avLst/>
@@ -490,18 +460,15 @@
             <a:normAutofit/>
           </a:bodyPr>
           <a:p>
-            <a:endParaRPr b="0" lang="en-US" sz="2800" spc="-1" strike="noStrike">
-              <a:solidFill>
-                <a:srgbClr val="000000"/>
-              </a:solidFill>
-              <a:latin typeface="Calibri"/>
-            </a:endParaRPr>
-          </a:p>
-        </p:txBody>
-      </p:sp>
-      <p:sp>
-        <p:nvSpPr>
-          <p:cNvPr id="38" name="PlaceHolder 5"/>
+            <a:endParaRPr b="0" lang="en-US" sz="3200" spc="-1" strike="noStrike">
+              <a:latin typeface="Arial"/>
+            </a:endParaRPr>
+          </a:p>
+        </p:txBody>
+      </p:sp>
+      <p:sp>
+        <p:nvSpPr>
+          <p:cNvPr id="35" name="PlaceHolder 5"/>
           <p:cNvSpPr>
             <a:spLocks noGrp="1"/>
           </p:cNvSpPr>
@@ -511,8 +478,8 @@
         </p:nvSpPr>
         <p:spPr>
           <a:xfrm>
-            <a:off x="838080" y="4098240"/>
-            <a:ext cx="3385800" cy="2075040"/>
+            <a:off x="609480" y="3682080"/>
+            <a:ext cx="3533040" cy="1896840"/>
           </a:xfrm>
           <a:prstGeom prst="rect">
             <a:avLst/>
@@ -523,18 +490,15 @@
             <a:normAutofit/>
           </a:bodyPr>
           <a:p>
-            <a:endParaRPr b="0" lang="en-US" sz="2800" spc="-1" strike="noStrike">
-              <a:solidFill>
-                <a:srgbClr val="000000"/>
-              </a:solidFill>
-              <a:latin typeface="Calibri"/>
-            </a:endParaRPr>
-          </a:p>
-        </p:txBody>
-      </p:sp>
-      <p:sp>
-        <p:nvSpPr>
-          <p:cNvPr id="39" name="PlaceHolder 6"/>
+            <a:endParaRPr b="0" lang="en-US" sz="3200" spc="-1" strike="noStrike">
+              <a:latin typeface="Arial"/>
+            </a:endParaRPr>
+          </a:p>
+        </p:txBody>
+      </p:sp>
+      <p:sp>
+        <p:nvSpPr>
+          <p:cNvPr id="36" name="PlaceHolder 6"/>
           <p:cNvSpPr>
             <a:spLocks noGrp="1"/>
           </p:cNvSpPr>
@@ -544,8 +508,8 @@
         </p:nvSpPr>
         <p:spPr>
           <a:xfrm>
-            <a:off x="4393440" y="4098240"/>
-            <a:ext cx="3385800" cy="2075040"/>
+            <a:off x="4319640" y="3682080"/>
+            <a:ext cx="3533040" cy="1896840"/>
           </a:xfrm>
           <a:prstGeom prst="rect">
             <a:avLst/>
@@ -556,18 +520,15 @@
             <a:normAutofit/>
           </a:bodyPr>
           <a:p>
-            <a:endParaRPr b="0" lang="en-US" sz="2800" spc="-1" strike="noStrike">
-              <a:solidFill>
-                <a:srgbClr val="000000"/>
-              </a:solidFill>
-              <a:latin typeface="Calibri"/>
-            </a:endParaRPr>
-          </a:p>
-        </p:txBody>
-      </p:sp>
-      <p:sp>
-        <p:nvSpPr>
-          <p:cNvPr id="40" name="PlaceHolder 7"/>
+            <a:endParaRPr b="0" lang="en-US" sz="3200" spc="-1" strike="noStrike">
+              <a:latin typeface="Arial"/>
+            </a:endParaRPr>
+          </a:p>
+        </p:txBody>
+      </p:sp>
+      <p:sp>
+        <p:nvSpPr>
+          <p:cNvPr id="37" name="PlaceHolder 7"/>
           <p:cNvSpPr>
             <a:spLocks noGrp="1"/>
           </p:cNvSpPr>
@@ -577,8 +538,8 @@
         </p:nvSpPr>
         <p:spPr>
           <a:xfrm>
-            <a:off x="7949160" y="4098240"/>
-            <a:ext cx="3385800" cy="2075040"/>
+            <a:off x="8029800" y="3682080"/>
+            <a:ext cx="3533040" cy="1896840"/>
           </a:xfrm>
           <a:prstGeom prst="rect">
             <a:avLst/>
@@ -589,11 +550,8 @@
             <a:normAutofit/>
           </a:bodyPr>
           <a:p>
-            <a:endParaRPr b="0" lang="en-US" sz="2800" spc="-1" strike="noStrike">
-              <a:solidFill>
-                <a:srgbClr val="000000"/>
-              </a:solidFill>
-              <a:latin typeface="Calibri"/>
+            <a:endParaRPr b="0" lang="en-US" sz="3200" spc="-1" strike="noStrike">
+              <a:latin typeface="Arial"/>
             </a:endParaRPr>
           </a:p>
         </p:txBody>
@@ -622,7 +580,7 @@
       </p:grpSpPr>
       <p:sp>
         <p:nvSpPr>
-          <p:cNvPr id="5" name="PlaceHolder 1"/>
+          <p:cNvPr id="2" name="PlaceHolder 1"/>
           <p:cNvSpPr>
             <a:spLocks noGrp="1"/>
           </p:cNvSpPr>
@@ -632,8 +590,8 @@
         </p:nvSpPr>
         <p:spPr>
           <a:xfrm>
-            <a:off x="838080" y="365040"/>
-            <a:ext cx="10515240" cy="1325160"/>
+            <a:off x="609480" y="273600"/>
+            <a:ext cx="10972440" cy="1144800"/>
           </a:xfrm>
           <a:prstGeom prst="rect">
             <a:avLst/>
@@ -644,18 +602,16 @@
             <a:noAutofit/>
           </a:bodyPr>
           <a:p>
-            <a:endParaRPr b="0" lang="en-US" sz="1800" spc="-1" strike="noStrike">
-              <a:solidFill>
-                <a:srgbClr val="000000"/>
-              </a:solidFill>
-              <a:latin typeface="Calibri"/>
-            </a:endParaRPr>
-          </a:p>
-        </p:txBody>
-      </p:sp>
-      <p:sp>
-        <p:nvSpPr>
-          <p:cNvPr id="6" name="PlaceHolder 2"/>
+            <a:pPr algn="ctr"/>
+            <a:endParaRPr b="0" lang="en-US" sz="4400" spc="-1" strike="noStrike">
+              <a:latin typeface="Arial"/>
+            </a:endParaRPr>
+          </a:p>
+        </p:txBody>
+      </p:sp>
+      <p:sp>
+        <p:nvSpPr>
+          <p:cNvPr id="3" name="PlaceHolder 2"/>
           <p:cNvSpPr>
             <a:spLocks noGrp="1"/>
           </p:cNvSpPr>
@@ -665,8 +621,8 @@
         </p:nvSpPr>
         <p:spPr>
           <a:xfrm>
-            <a:off x="838080" y="1825560"/>
-            <a:ext cx="10515240" cy="4350960"/>
+            <a:off x="609480" y="1604520"/>
+            <a:ext cx="10972440" cy="3977280"/>
           </a:xfrm>
           <a:prstGeom prst="rect">
             <a:avLst/>
@@ -708,7 +664,7 @@
       </p:grpSpPr>
       <p:sp>
         <p:nvSpPr>
-          <p:cNvPr id="7" name="PlaceHolder 1"/>
+          <p:cNvPr id="4" name="PlaceHolder 1"/>
           <p:cNvSpPr>
             <a:spLocks noGrp="1"/>
           </p:cNvSpPr>
@@ -718,8 +674,8 @@
         </p:nvSpPr>
         <p:spPr>
           <a:xfrm>
-            <a:off x="838080" y="365040"/>
-            <a:ext cx="10515240" cy="1325160"/>
+            <a:off x="609480" y="273600"/>
+            <a:ext cx="10972440" cy="1144800"/>
           </a:xfrm>
           <a:prstGeom prst="rect">
             <a:avLst/>
@@ -730,18 +686,16 @@
             <a:noAutofit/>
           </a:bodyPr>
           <a:p>
-            <a:endParaRPr b="0" lang="en-US" sz="1800" spc="-1" strike="noStrike">
-              <a:solidFill>
-                <a:srgbClr val="000000"/>
-              </a:solidFill>
-              <a:latin typeface="Calibri"/>
-            </a:endParaRPr>
-          </a:p>
-        </p:txBody>
-      </p:sp>
-      <p:sp>
-        <p:nvSpPr>
-          <p:cNvPr id="8" name="PlaceHolder 2"/>
+            <a:pPr algn="ctr"/>
+            <a:endParaRPr b="0" lang="en-US" sz="4400" spc="-1" strike="noStrike">
+              <a:latin typeface="Arial"/>
+            </a:endParaRPr>
+          </a:p>
+        </p:txBody>
+      </p:sp>
+      <p:sp>
+        <p:nvSpPr>
+          <p:cNvPr id="5" name="PlaceHolder 2"/>
           <p:cNvSpPr>
             <a:spLocks noGrp="1"/>
           </p:cNvSpPr>
@@ -751,8 +705,8 @@
         </p:nvSpPr>
         <p:spPr>
           <a:xfrm>
-            <a:off x="838080" y="1825560"/>
-            <a:ext cx="10515240" cy="4350960"/>
+            <a:off x="609480" y="1604520"/>
+            <a:ext cx="10972440" cy="3977280"/>
           </a:xfrm>
           <a:prstGeom prst="rect">
             <a:avLst/>
@@ -763,11 +717,8 @@
             <a:normAutofit/>
           </a:bodyPr>
           <a:p>
-            <a:endParaRPr b="0" lang="en-US" sz="2800" spc="-1" strike="noStrike">
-              <a:solidFill>
-                <a:srgbClr val="000000"/>
-              </a:solidFill>
-              <a:latin typeface="Calibri"/>
+            <a:endParaRPr b="0" lang="en-US" sz="3200" spc="-1" strike="noStrike">
+              <a:latin typeface="Arial"/>
             </a:endParaRPr>
           </a:p>
         </p:txBody>
@@ -796,7 +747,7 @@
       </p:grpSpPr>
       <p:sp>
         <p:nvSpPr>
-          <p:cNvPr id="9" name="PlaceHolder 1"/>
+          <p:cNvPr id="6" name="PlaceHolder 1"/>
           <p:cNvSpPr>
             <a:spLocks noGrp="1"/>
           </p:cNvSpPr>
@@ -806,8 +757,8 @@
         </p:nvSpPr>
         <p:spPr>
           <a:xfrm>
-            <a:off x="838080" y="365040"/>
-            <a:ext cx="10515240" cy="1325160"/>
+            <a:off x="609480" y="273600"/>
+            <a:ext cx="10972440" cy="1144800"/>
           </a:xfrm>
           <a:prstGeom prst="rect">
             <a:avLst/>
@@ -818,18 +769,16 @@
             <a:noAutofit/>
           </a:bodyPr>
           <a:p>
-            <a:endParaRPr b="0" lang="en-US" sz="1800" spc="-1" strike="noStrike">
-              <a:solidFill>
-                <a:srgbClr val="000000"/>
-              </a:solidFill>
-              <a:latin typeface="Calibri"/>
-            </a:endParaRPr>
-          </a:p>
-        </p:txBody>
-      </p:sp>
-      <p:sp>
-        <p:nvSpPr>
-          <p:cNvPr id="10" name="PlaceHolder 2"/>
+            <a:pPr algn="ctr"/>
+            <a:endParaRPr b="0" lang="en-US" sz="4400" spc="-1" strike="noStrike">
+              <a:latin typeface="Arial"/>
+            </a:endParaRPr>
+          </a:p>
+        </p:txBody>
+      </p:sp>
+      <p:sp>
+        <p:nvSpPr>
+          <p:cNvPr id="7" name="PlaceHolder 2"/>
           <p:cNvSpPr>
             <a:spLocks noGrp="1"/>
           </p:cNvSpPr>
@@ -839,8 +788,8 @@
         </p:nvSpPr>
         <p:spPr>
           <a:xfrm>
-            <a:off x="838080" y="1825560"/>
-            <a:ext cx="5131080" cy="4350960"/>
+            <a:off x="609480" y="1604520"/>
+            <a:ext cx="5354280" cy="3977280"/>
           </a:xfrm>
           <a:prstGeom prst="rect">
             <a:avLst/>
@@ -851,18 +800,15 @@
             <a:normAutofit/>
           </a:bodyPr>
           <a:p>
-            <a:endParaRPr b="0" lang="en-US" sz="2800" spc="-1" strike="noStrike">
-              <a:solidFill>
-                <a:srgbClr val="000000"/>
-              </a:solidFill>
-              <a:latin typeface="Calibri"/>
-            </a:endParaRPr>
-          </a:p>
-        </p:txBody>
-      </p:sp>
-      <p:sp>
-        <p:nvSpPr>
-          <p:cNvPr id="11" name="PlaceHolder 3"/>
+            <a:endParaRPr b="0" lang="en-US" sz="3200" spc="-1" strike="noStrike">
+              <a:latin typeface="Arial"/>
+            </a:endParaRPr>
+          </a:p>
+        </p:txBody>
+      </p:sp>
+      <p:sp>
+        <p:nvSpPr>
+          <p:cNvPr id="8" name="PlaceHolder 3"/>
           <p:cNvSpPr>
             <a:spLocks noGrp="1"/>
           </p:cNvSpPr>
@@ -872,8 +818,8 @@
         </p:nvSpPr>
         <p:spPr>
           <a:xfrm>
-            <a:off x="6226200" y="1825560"/>
-            <a:ext cx="5131080" cy="4350960"/>
+            <a:off x="6231960" y="1604520"/>
+            <a:ext cx="5354280" cy="3977280"/>
           </a:xfrm>
           <a:prstGeom prst="rect">
             <a:avLst/>
@@ -884,11 +830,8 @@
             <a:normAutofit/>
           </a:bodyPr>
           <a:p>
-            <a:endParaRPr b="0" lang="en-US" sz="2800" spc="-1" strike="noStrike">
-              <a:solidFill>
-                <a:srgbClr val="000000"/>
-              </a:solidFill>
-              <a:latin typeface="Calibri"/>
+            <a:endParaRPr b="0" lang="en-US" sz="3200" spc="-1" strike="noStrike">
+              <a:latin typeface="Arial"/>
             </a:endParaRPr>
           </a:p>
         </p:txBody>
@@ -917,7 +860,7 @@
       </p:grpSpPr>
       <p:sp>
         <p:nvSpPr>
-          <p:cNvPr id="12" name="PlaceHolder 1"/>
+          <p:cNvPr id="9" name="PlaceHolder 1"/>
           <p:cNvSpPr>
             <a:spLocks noGrp="1"/>
           </p:cNvSpPr>
@@ -927,8 +870,8 @@
         </p:nvSpPr>
         <p:spPr>
           <a:xfrm>
-            <a:off x="838080" y="365040"/>
-            <a:ext cx="10515240" cy="1325160"/>
+            <a:off x="609480" y="273600"/>
+            <a:ext cx="10972440" cy="1144800"/>
           </a:xfrm>
           <a:prstGeom prst="rect">
             <a:avLst/>
@@ -939,11 +882,9 @@
             <a:noAutofit/>
           </a:bodyPr>
           <a:p>
-            <a:endParaRPr b="0" lang="en-US" sz="1800" spc="-1" strike="noStrike">
-              <a:solidFill>
-                <a:srgbClr val="000000"/>
-              </a:solidFill>
-              <a:latin typeface="Calibri"/>
+            <a:pPr algn="ctr"/>
+            <a:endParaRPr b="0" lang="en-US" sz="4400" spc="-1" strike="noStrike">
+              <a:latin typeface="Arial"/>
             </a:endParaRPr>
           </a:p>
         </p:txBody>
@@ -972,7 +913,7 @@
       </p:grpSpPr>
       <p:sp>
         <p:nvSpPr>
-          <p:cNvPr id="13" name="PlaceHolder 1"/>
+          <p:cNvPr id="10" name="PlaceHolder 1"/>
           <p:cNvSpPr>
             <a:spLocks noGrp="1"/>
           </p:cNvSpPr>
@@ -982,8 +923,8 @@
         </p:nvSpPr>
         <p:spPr>
           <a:xfrm>
-            <a:off x="838080" y="365040"/>
-            <a:ext cx="10515240" cy="6144120"/>
+            <a:off x="609480" y="273600"/>
+            <a:ext cx="10972440" cy="5307840"/>
           </a:xfrm>
           <a:prstGeom prst="rect">
             <a:avLst/>
@@ -1025,7 +966,7 @@
       </p:grpSpPr>
       <p:sp>
         <p:nvSpPr>
-          <p:cNvPr id="14" name="PlaceHolder 1"/>
+          <p:cNvPr id="11" name="PlaceHolder 1"/>
           <p:cNvSpPr>
             <a:spLocks noGrp="1"/>
           </p:cNvSpPr>
@@ -1035,8 +976,8 @@
         </p:nvSpPr>
         <p:spPr>
           <a:xfrm>
-            <a:off x="838080" y="365040"/>
-            <a:ext cx="10515240" cy="1325160"/>
+            <a:off x="609480" y="273600"/>
+            <a:ext cx="10972440" cy="1144800"/>
           </a:xfrm>
           <a:prstGeom prst="rect">
             <a:avLst/>
@@ -1047,18 +988,16 @@
             <a:noAutofit/>
           </a:bodyPr>
           <a:p>
-            <a:endParaRPr b="0" lang="en-US" sz="1800" spc="-1" strike="noStrike">
-              <a:solidFill>
-                <a:srgbClr val="000000"/>
-              </a:solidFill>
-              <a:latin typeface="Calibri"/>
-            </a:endParaRPr>
-          </a:p>
-        </p:txBody>
-      </p:sp>
-      <p:sp>
-        <p:nvSpPr>
-          <p:cNvPr id="15" name="PlaceHolder 2"/>
+            <a:pPr algn="ctr"/>
+            <a:endParaRPr b="0" lang="en-US" sz="4400" spc="-1" strike="noStrike">
+              <a:latin typeface="Arial"/>
+            </a:endParaRPr>
+          </a:p>
+        </p:txBody>
+      </p:sp>
+      <p:sp>
+        <p:nvSpPr>
+          <p:cNvPr id="12" name="PlaceHolder 2"/>
           <p:cNvSpPr>
             <a:spLocks noGrp="1"/>
           </p:cNvSpPr>
@@ -1068,8 +1007,8 @@
         </p:nvSpPr>
         <p:spPr>
           <a:xfrm>
-            <a:off x="838080" y="1825560"/>
-            <a:ext cx="5131080" cy="2075040"/>
+            <a:off x="609480" y="1604520"/>
+            <a:ext cx="5354280" cy="1896840"/>
           </a:xfrm>
           <a:prstGeom prst="rect">
             <a:avLst/>
@@ -1080,18 +1019,15 @@
             <a:normAutofit/>
           </a:bodyPr>
           <a:p>
-            <a:endParaRPr b="0" lang="en-US" sz="2800" spc="-1" strike="noStrike">
-              <a:solidFill>
-                <a:srgbClr val="000000"/>
-              </a:solidFill>
-              <a:latin typeface="Calibri"/>
-            </a:endParaRPr>
-          </a:p>
-        </p:txBody>
-      </p:sp>
-      <p:sp>
-        <p:nvSpPr>
-          <p:cNvPr id="16" name="PlaceHolder 3"/>
+            <a:endParaRPr b="0" lang="en-US" sz="3200" spc="-1" strike="noStrike">
+              <a:latin typeface="Arial"/>
+            </a:endParaRPr>
+          </a:p>
+        </p:txBody>
+      </p:sp>
+      <p:sp>
+        <p:nvSpPr>
+          <p:cNvPr id="13" name="PlaceHolder 3"/>
           <p:cNvSpPr>
             <a:spLocks noGrp="1"/>
           </p:cNvSpPr>
@@ -1101,8 +1037,8 @@
         </p:nvSpPr>
         <p:spPr>
           <a:xfrm>
-            <a:off x="6226200" y="1825560"/>
-            <a:ext cx="5131080" cy="4350960"/>
+            <a:off x="6231960" y="1604520"/>
+            <a:ext cx="5354280" cy="3977280"/>
           </a:xfrm>
           <a:prstGeom prst="rect">
             <a:avLst/>
@@ -1113,18 +1049,15 @@
             <a:normAutofit/>
           </a:bodyPr>
           <a:p>
-            <a:endParaRPr b="0" lang="en-US" sz="2800" spc="-1" strike="noStrike">
-              <a:solidFill>
-                <a:srgbClr val="000000"/>
-              </a:solidFill>
-              <a:latin typeface="Calibri"/>
-            </a:endParaRPr>
-          </a:p>
-        </p:txBody>
-      </p:sp>
-      <p:sp>
-        <p:nvSpPr>
-          <p:cNvPr id="17" name="PlaceHolder 4"/>
+            <a:endParaRPr b="0" lang="en-US" sz="3200" spc="-1" strike="noStrike">
+              <a:latin typeface="Arial"/>
+            </a:endParaRPr>
+          </a:p>
+        </p:txBody>
+      </p:sp>
+      <p:sp>
+        <p:nvSpPr>
+          <p:cNvPr id="14" name="PlaceHolder 4"/>
           <p:cNvSpPr>
             <a:spLocks noGrp="1"/>
           </p:cNvSpPr>
@@ -1134,8 +1067,8 @@
         </p:nvSpPr>
         <p:spPr>
           <a:xfrm>
-            <a:off x="838080" y="4098240"/>
-            <a:ext cx="5131080" cy="2075040"/>
+            <a:off x="609480" y="3682080"/>
+            <a:ext cx="5354280" cy="1896840"/>
           </a:xfrm>
           <a:prstGeom prst="rect">
             <a:avLst/>
@@ -1146,11 +1079,8 @@
             <a:normAutofit/>
           </a:bodyPr>
           <a:p>
-            <a:endParaRPr b="0" lang="en-US" sz="2800" spc="-1" strike="noStrike">
-              <a:solidFill>
-                <a:srgbClr val="000000"/>
-              </a:solidFill>
-              <a:latin typeface="Calibri"/>
+            <a:endParaRPr b="0" lang="en-US" sz="3200" spc="-1" strike="noStrike">
+              <a:latin typeface="Arial"/>
             </a:endParaRPr>
           </a:p>
         </p:txBody>
@@ -1179,7 +1109,7 @@
       </p:grpSpPr>
       <p:sp>
         <p:nvSpPr>
-          <p:cNvPr id="18" name="PlaceHolder 1"/>
+          <p:cNvPr id="15" name="PlaceHolder 1"/>
           <p:cNvSpPr>
             <a:spLocks noGrp="1"/>
           </p:cNvSpPr>
@@ -1189,8 +1119,8 @@
         </p:nvSpPr>
         <p:spPr>
           <a:xfrm>
-            <a:off x="838080" y="365040"/>
-            <a:ext cx="10515240" cy="1325160"/>
+            <a:off x="609480" y="273600"/>
+            <a:ext cx="10972440" cy="1144800"/>
           </a:xfrm>
           <a:prstGeom prst="rect">
             <a:avLst/>
@@ -1201,18 +1131,16 @@
             <a:noAutofit/>
           </a:bodyPr>
           <a:p>
-            <a:endParaRPr b="0" lang="en-US" sz="1800" spc="-1" strike="noStrike">
-              <a:solidFill>
-                <a:srgbClr val="000000"/>
-              </a:solidFill>
-              <a:latin typeface="Calibri"/>
-            </a:endParaRPr>
-          </a:p>
-        </p:txBody>
-      </p:sp>
-      <p:sp>
-        <p:nvSpPr>
-          <p:cNvPr id="19" name="PlaceHolder 2"/>
+            <a:pPr algn="ctr"/>
+            <a:endParaRPr b="0" lang="en-US" sz="4400" spc="-1" strike="noStrike">
+              <a:latin typeface="Arial"/>
+            </a:endParaRPr>
+          </a:p>
+        </p:txBody>
+      </p:sp>
+      <p:sp>
+        <p:nvSpPr>
+          <p:cNvPr id="16" name="PlaceHolder 2"/>
           <p:cNvSpPr>
             <a:spLocks noGrp="1"/>
           </p:cNvSpPr>
@@ -1222,8 +1150,8 @@
         </p:nvSpPr>
         <p:spPr>
           <a:xfrm>
-            <a:off x="838080" y="1825560"/>
-            <a:ext cx="5131080" cy="4350960"/>
+            <a:off x="609480" y="1604520"/>
+            <a:ext cx="5354280" cy="3977280"/>
           </a:xfrm>
           <a:prstGeom prst="rect">
             <a:avLst/>
@@ -1234,18 +1162,15 @@
             <a:normAutofit/>
           </a:bodyPr>
           <a:p>
-            <a:endParaRPr b="0" lang="en-US" sz="2800" spc="-1" strike="noStrike">
-              <a:solidFill>
-                <a:srgbClr val="000000"/>
-              </a:solidFill>
-              <a:latin typeface="Calibri"/>
-            </a:endParaRPr>
-          </a:p>
-        </p:txBody>
-      </p:sp>
-      <p:sp>
-        <p:nvSpPr>
-          <p:cNvPr id="20" name="PlaceHolder 3"/>
+            <a:endParaRPr b="0" lang="en-US" sz="3200" spc="-1" strike="noStrike">
+              <a:latin typeface="Arial"/>
+            </a:endParaRPr>
+          </a:p>
+        </p:txBody>
+      </p:sp>
+      <p:sp>
+        <p:nvSpPr>
+          <p:cNvPr id="17" name="PlaceHolder 3"/>
           <p:cNvSpPr>
             <a:spLocks noGrp="1"/>
           </p:cNvSpPr>
@@ -1255,8 +1180,8 @@
         </p:nvSpPr>
         <p:spPr>
           <a:xfrm>
-            <a:off x="6226200" y="1825560"/>
-            <a:ext cx="5131080" cy="2075040"/>
+            <a:off x="6231960" y="1604520"/>
+            <a:ext cx="5354280" cy="1896840"/>
           </a:xfrm>
           <a:prstGeom prst="rect">
             <a:avLst/>
@@ -1267,18 +1192,15 @@
             <a:normAutofit/>
           </a:bodyPr>
           <a:p>
-            <a:endParaRPr b="0" lang="en-US" sz="2800" spc="-1" strike="noStrike">
-              <a:solidFill>
-                <a:srgbClr val="000000"/>
-              </a:solidFill>
-              <a:latin typeface="Calibri"/>
-            </a:endParaRPr>
-          </a:p>
-        </p:txBody>
-      </p:sp>
-      <p:sp>
-        <p:nvSpPr>
-          <p:cNvPr id="21" name="PlaceHolder 4"/>
+            <a:endParaRPr b="0" lang="en-US" sz="3200" spc="-1" strike="noStrike">
+              <a:latin typeface="Arial"/>
+            </a:endParaRPr>
+          </a:p>
+        </p:txBody>
+      </p:sp>
+      <p:sp>
+        <p:nvSpPr>
+          <p:cNvPr id="18" name="PlaceHolder 4"/>
           <p:cNvSpPr>
             <a:spLocks noGrp="1"/>
           </p:cNvSpPr>
@@ -1288,8 +1210,8 @@
         </p:nvSpPr>
         <p:spPr>
           <a:xfrm>
-            <a:off x="6226200" y="4098240"/>
-            <a:ext cx="5131080" cy="2075040"/>
+            <a:off x="6231960" y="3682080"/>
+            <a:ext cx="5354280" cy="1896840"/>
           </a:xfrm>
           <a:prstGeom prst="rect">
             <a:avLst/>
@@ -1300,11 +1222,8 @@
             <a:normAutofit/>
           </a:bodyPr>
           <a:p>
-            <a:endParaRPr b="0" lang="en-US" sz="2800" spc="-1" strike="noStrike">
-              <a:solidFill>
-                <a:srgbClr val="000000"/>
-              </a:solidFill>
-              <a:latin typeface="Calibri"/>
+            <a:endParaRPr b="0" lang="en-US" sz="3200" spc="-1" strike="noStrike">
+              <a:latin typeface="Arial"/>
             </a:endParaRPr>
           </a:p>
         </p:txBody>
@@ -1333,7 +1252,7 @@
       </p:grpSpPr>
       <p:sp>
         <p:nvSpPr>
-          <p:cNvPr id="22" name="PlaceHolder 1"/>
+          <p:cNvPr id="19" name="PlaceHolder 1"/>
           <p:cNvSpPr>
             <a:spLocks noGrp="1"/>
           </p:cNvSpPr>
@@ -1343,8 +1262,8 @@
         </p:nvSpPr>
         <p:spPr>
           <a:xfrm>
-            <a:off x="838080" y="365040"/>
-            <a:ext cx="10515240" cy="1325160"/>
+            <a:off x="609480" y="273600"/>
+            <a:ext cx="10972440" cy="1144800"/>
           </a:xfrm>
           <a:prstGeom prst="rect">
             <a:avLst/>
@@ -1355,18 +1274,16 @@
             <a:noAutofit/>
           </a:bodyPr>
           <a:p>
-            <a:endParaRPr b="0" lang="en-US" sz="1800" spc="-1" strike="noStrike">
-              <a:solidFill>
-                <a:srgbClr val="000000"/>
-              </a:solidFill>
-              <a:latin typeface="Calibri"/>
-            </a:endParaRPr>
-          </a:p>
-        </p:txBody>
-      </p:sp>
-      <p:sp>
-        <p:nvSpPr>
-          <p:cNvPr id="23" name="PlaceHolder 2"/>
+            <a:pPr algn="ctr"/>
+            <a:endParaRPr b="0" lang="en-US" sz="4400" spc="-1" strike="noStrike">
+              <a:latin typeface="Arial"/>
+            </a:endParaRPr>
+          </a:p>
+        </p:txBody>
+      </p:sp>
+      <p:sp>
+        <p:nvSpPr>
+          <p:cNvPr id="20" name="PlaceHolder 2"/>
           <p:cNvSpPr>
             <a:spLocks noGrp="1"/>
           </p:cNvSpPr>
@@ -1376,8 +1293,8 @@
         </p:nvSpPr>
         <p:spPr>
           <a:xfrm>
-            <a:off x="838080" y="1825560"/>
-            <a:ext cx="5131080" cy="2075040"/>
+            <a:off x="609480" y="1604520"/>
+            <a:ext cx="5354280" cy="1896840"/>
           </a:xfrm>
           <a:prstGeom prst="rect">
             <a:avLst/>
@@ -1388,18 +1305,15 @@
             <a:normAutofit/>
           </a:bodyPr>
           <a:p>
-            <a:endParaRPr b="0" lang="en-US" sz="2800" spc="-1" strike="noStrike">
-              <a:solidFill>
-                <a:srgbClr val="000000"/>
-              </a:solidFill>
-              <a:latin typeface="Calibri"/>
-            </a:endParaRPr>
-          </a:p>
-        </p:txBody>
-      </p:sp>
-      <p:sp>
-        <p:nvSpPr>
-          <p:cNvPr id="24" name="PlaceHolder 3"/>
+            <a:endParaRPr b="0" lang="en-US" sz="3200" spc="-1" strike="noStrike">
+              <a:latin typeface="Arial"/>
+            </a:endParaRPr>
+          </a:p>
+        </p:txBody>
+      </p:sp>
+      <p:sp>
+        <p:nvSpPr>
+          <p:cNvPr id="21" name="PlaceHolder 3"/>
           <p:cNvSpPr>
             <a:spLocks noGrp="1"/>
           </p:cNvSpPr>
@@ -1409,8 +1323,8 @@
         </p:nvSpPr>
         <p:spPr>
           <a:xfrm>
-            <a:off x="6226200" y="1825560"/>
-            <a:ext cx="5131080" cy="2075040"/>
+            <a:off x="6231960" y="1604520"/>
+            <a:ext cx="5354280" cy="1896840"/>
           </a:xfrm>
           <a:prstGeom prst="rect">
             <a:avLst/>
@@ -1421,18 +1335,15 @@
             <a:normAutofit/>
           </a:bodyPr>
           <a:p>
-            <a:endParaRPr b="0" lang="en-US" sz="2800" spc="-1" strike="noStrike">
-              <a:solidFill>
-                <a:srgbClr val="000000"/>
-              </a:solidFill>
-              <a:latin typeface="Calibri"/>
-            </a:endParaRPr>
-          </a:p>
-        </p:txBody>
-      </p:sp>
-      <p:sp>
-        <p:nvSpPr>
-          <p:cNvPr id="25" name="PlaceHolder 4"/>
+            <a:endParaRPr b="0" lang="en-US" sz="3200" spc="-1" strike="noStrike">
+              <a:latin typeface="Arial"/>
+            </a:endParaRPr>
+          </a:p>
+        </p:txBody>
+      </p:sp>
+      <p:sp>
+        <p:nvSpPr>
+          <p:cNvPr id="22" name="PlaceHolder 4"/>
           <p:cNvSpPr>
             <a:spLocks noGrp="1"/>
           </p:cNvSpPr>
@@ -1442,8 +1353,8 @@
         </p:nvSpPr>
         <p:spPr>
           <a:xfrm>
-            <a:off x="838080" y="4098240"/>
-            <a:ext cx="10515240" cy="2075040"/>
+            <a:off x="609480" y="3682080"/>
+            <a:ext cx="10972440" cy="1896840"/>
           </a:xfrm>
           <a:prstGeom prst="rect">
             <a:avLst/>
@@ -1454,11 +1365,8 @@
             <a:normAutofit/>
           </a:bodyPr>
           <a:p>
-            <a:endParaRPr b="0" lang="en-US" sz="2800" spc="-1" strike="noStrike">
-              <a:solidFill>
-                <a:srgbClr val="000000"/>
-              </a:solidFill>
-              <a:latin typeface="Calibri"/>
+            <a:endParaRPr b="0" lang="en-US" sz="3200" spc="-1" strike="noStrike">
+              <a:latin typeface="Arial"/>
             </a:endParaRPr>
           </a:p>
         </p:txBody>
@@ -1504,37 +1412,27 @@
         </p:nvSpPr>
         <p:spPr>
           <a:xfrm>
-            <a:off x="838080" y="365040"/>
-            <a:ext cx="10515240" cy="1325160"/>
-          </a:xfrm>
-          <a:prstGeom prst="rect">
-            <a:avLst/>
-          </a:prstGeom>
-        </p:spPr>
-        <p:txBody>
-          <a:bodyPr anchor="ctr">
+            <a:off x="609480" y="273600"/>
+            <a:ext cx="10972440" cy="1144800"/>
+          </a:xfrm>
+          <a:prstGeom prst="rect">
+            <a:avLst/>
+          </a:prstGeom>
+        </p:spPr>
+        <p:txBody>
+          <a:bodyPr lIns="0" rIns="0" tIns="0" bIns="0" anchor="ctr">
             <a:noAutofit/>
           </a:bodyPr>
           <a:p>
-            <a:pPr>
-              <a:lnSpc>
-                <a:spcPct val="90000"/>
-              </a:lnSpc>
-            </a:pPr>
+            <a:pPr algn="ctr"/>
             <a:r>
               <a:rPr b="0" lang="en-US" sz="4400" spc="-1" strike="noStrike">
-                <a:solidFill>
-                  <a:srgbClr val="000000"/>
-                </a:solidFill>
-                <a:latin typeface="Calibri Light"/>
-              </a:rPr>
-              <a:t>Click to edit Master title style</a:t>
+                <a:latin typeface="Arial"/>
+              </a:rPr>
+              <a:t>Click to edit the title text format</a:t>
             </a:r>
             <a:endParaRPr b="0" lang="en-US" sz="4400" spc="-1" strike="noStrike">
-              <a:solidFill>
-                <a:srgbClr val="000000"/>
-              </a:solidFill>
-              <a:latin typeface="Calibri"/>
+              <a:latin typeface="Arial"/>
             </a:endParaRPr>
           </a:p>
         </p:txBody>
@@ -1551,292 +1449,169 @@
         </p:nvSpPr>
         <p:spPr>
           <a:xfrm>
-            <a:off x="838080" y="1825560"/>
-            <a:ext cx="10515240" cy="4350960"/>
-          </a:xfrm>
-          <a:prstGeom prst="rect">
-            <a:avLst/>
-          </a:prstGeom>
-        </p:spPr>
-        <p:txBody>
-          <a:bodyPr>
-            <a:noAutofit/>
-          </a:bodyPr>
-          <a:p>
-            <a:pPr marL="228600" indent="-228240">
-              <a:lnSpc>
-                <a:spcPct val="90000"/>
-              </a:lnSpc>
-              <a:spcBef>
-                <a:spcPts val="1001"/>
+            <a:off x="609480" y="1604520"/>
+            <a:ext cx="10972440" cy="3977280"/>
+          </a:xfrm>
+          <a:prstGeom prst="rect">
+            <a:avLst/>
+          </a:prstGeom>
+        </p:spPr>
+        <p:txBody>
+          <a:bodyPr lIns="0" rIns="0" tIns="0" bIns="0">
+            <a:normAutofit/>
+          </a:bodyPr>
+          <a:p>
+            <a:pPr marL="432000" indent="-324000">
+              <a:spcBef>
+                <a:spcPts val="1417"/>
               </a:spcBef>
               <a:buClr>
                 <a:srgbClr val="000000"/>
               </a:buClr>
-              <a:buFont typeface="Arial"/>
-              <a:buChar char="•"/>
-            </a:pPr>
-            <a:r>
-              <a:rPr b="0" lang="en-US" sz="2800" spc="-1" strike="noStrike">
-                <a:solidFill>
-                  <a:srgbClr val="000000"/>
-                </a:solidFill>
-                <a:latin typeface="Calibri"/>
-              </a:rPr>
-              <a:t>Click to edit Master text </a:t>
-            </a:r>
-            <a:r>
-              <a:rPr b="0" lang="en-US" sz="2800" spc="-1" strike="noStrike">
-                <a:solidFill>
-                  <a:srgbClr val="000000"/>
-                </a:solidFill>
-                <a:latin typeface="Calibri"/>
-              </a:rPr>
-              <a:t>styles</a:t>
-            </a:r>
-            <a:endParaRPr b="0" lang="en-US" sz="2800" spc="-1" strike="noStrike">
-              <a:solidFill>
-                <a:srgbClr val="000000"/>
-              </a:solidFill>
-              <a:latin typeface="Calibri"/>
-            </a:endParaRPr>
-          </a:p>
-          <a:p>
-            <a:pPr lvl="1" marL="685800" indent="-228240">
-              <a:lnSpc>
-                <a:spcPct val="90000"/>
-              </a:lnSpc>
-              <a:spcBef>
-                <a:spcPts val="499"/>
+              <a:buSzPct val="45000"/>
+              <a:buFont typeface="Wingdings" charset="2"/>
+              <a:buChar char=""/>
+            </a:pPr>
+            <a:r>
+              <a:rPr b="0" lang="en-US" sz="3200" spc="-1" strike="noStrike">
+                <a:latin typeface="Arial"/>
+              </a:rPr>
+              <a:t>Click to edit the outline text format</a:t>
+            </a:r>
+            <a:endParaRPr b="0" lang="en-US" sz="3200" spc="-1" strike="noStrike">
+              <a:latin typeface="Arial"/>
+            </a:endParaRPr>
+          </a:p>
+          <a:p>
+            <a:pPr lvl="1" marL="864000" indent="-324000">
+              <a:spcBef>
+                <a:spcPts val="1134"/>
               </a:spcBef>
               <a:buClr>
                 <a:srgbClr val="000000"/>
               </a:buClr>
-              <a:buFont typeface="Arial"/>
-              <a:buChar char="•"/>
-            </a:pPr>
-            <a:r>
-              <a:rPr b="0" lang="en-US" sz="2400" spc="-1" strike="noStrike">
-                <a:solidFill>
-                  <a:srgbClr val="000000"/>
-                </a:solidFill>
-                <a:latin typeface="Calibri"/>
-              </a:rPr>
-              <a:t>Second level</a:t>
-            </a:r>
-            <a:endParaRPr b="0" lang="en-US" sz="2400" spc="-1" strike="noStrike">
-              <a:solidFill>
-                <a:srgbClr val="000000"/>
-              </a:solidFill>
-              <a:latin typeface="Calibri"/>
-            </a:endParaRPr>
-          </a:p>
-          <a:p>
-            <a:pPr lvl="2" marL="1143000" indent="-228240">
-              <a:lnSpc>
-                <a:spcPct val="90000"/>
-              </a:lnSpc>
-              <a:spcBef>
-                <a:spcPts val="499"/>
+              <a:buSzPct val="75000"/>
+              <a:buFont typeface="Symbol" charset="2"/>
+              <a:buChar char=""/>
+            </a:pPr>
+            <a:r>
+              <a:rPr b="0" lang="en-US" sz="2800" spc="-1" strike="noStrike">
+                <a:latin typeface="Arial"/>
+              </a:rPr>
+              <a:t>Second Outline Level</a:t>
+            </a:r>
+            <a:endParaRPr b="0" lang="en-US" sz="2800" spc="-1" strike="noStrike">
+              <a:latin typeface="Arial"/>
+            </a:endParaRPr>
+          </a:p>
+          <a:p>
+            <a:pPr lvl="2" marL="1296000" indent="-288000">
+              <a:spcBef>
+                <a:spcPts val="850"/>
               </a:spcBef>
               <a:buClr>
                 <a:srgbClr val="000000"/>
               </a:buClr>
-              <a:buFont typeface="Arial"/>
-              <a:buChar char="•"/>
-            </a:pPr>
-            <a:r>
-              <a:rPr b="0" lang="en-US" sz="2000" spc="-1" strike="noStrike">
-                <a:solidFill>
-                  <a:srgbClr val="000000"/>
-                </a:solidFill>
-                <a:latin typeface="Calibri"/>
-              </a:rPr>
-              <a:t>Third level</a:t>
-            </a:r>
-            <a:endParaRPr b="0" lang="en-US" sz="2000" spc="-1" strike="noStrike">
-              <a:solidFill>
-                <a:srgbClr val="000000"/>
-              </a:solidFill>
-              <a:latin typeface="Calibri"/>
-            </a:endParaRPr>
-          </a:p>
-          <a:p>
-            <a:pPr lvl="3" marL="1600200" indent="-228240">
-              <a:lnSpc>
-                <a:spcPct val="90000"/>
-              </a:lnSpc>
-              <a:spcBef>
-                <a:spcPts val="499"/>
+              <a:buSzPct val="45000"/>
+              <a:buFont typeface="Wingdings" charset="2"/>
+              <a:buChar char=""/>
+            </a:pPr>
+            <a:r>
+              <a:rPr b="0" lang="en-US" sz="2400" spc="-1" strike="noStrike">
+                <a:latin typeface="Arial"/>
+              </a:rPr>
+              <a:t>Third Outline Level</a:t>
+            </a:r>
+            <a:endParaRPr b="0" lang="en-US" sz="2400" spc="-1" strike="noStrike">
+              <a:latin typeface="Arial"/>
+            </a:endParaRPr>
+          </a:p>
+          <a:p>
+            <a:pPr lvl="3" marL="1728000" indent="-216000">
+              <a:spcBef>
+                <a:spcPts val="567"/>
               </a:spcBef>
               <a:buClr>
                 <a:srgbClr val="000000"/>
               </a:buClr>
-              <a:buFont typeface="Arial"/>
-              <a:buChar char="•"/>
-            </a:pPr>
-            <a:r>
-              <a:rPr b="0" lang="en-US" sz="1800" spc="-1" strike="noStrike">
-                <a:solidFill>
-                  <a:srgbClr val="000000"/>
-                </a:solidFill>
-                <a:latin typeface="Calibri"/>
-              </a:rPr>
-              <a:t>Fourth level</a:t>
-            </a:r>
-            <a:endParaRPr b="0" lang="en-US" sz="1800" spc="-1" strike="noStrike">
-              <a:solidFill>
-                <a:srgbClr val="000000"/>
-              </a:solidFill>
-              <a:latin typeface="Calibri"/>
-            </a:endParaRPr>
-          </a:p>
-          <a:p>
-            <a:pPr lvl="4" marL="2057400" indent="-228240">
-              <a:lnSpc>
-                <a:spcPct val="90000"/>
-              </a:lnSpc>
-              <a:spcBef>
-                <a:spcPts val="499"/>
+              <a:buSzPct val="75000"/>
+              <a:buFont typeface="Symbol" charset="2"/>
+              <a:buChar char=""/>
+            </a:pPr>
+            <a:r>
+              <a:rPr b="0" lang="en-US" sz="2000" spc="-1" strike="noStrike">
+                <a:latin typeface="Arial"/>
+              </a:rPr>
+              <a:t>Fourth Outline Level</a:t>
+            </a:r>
+            <a:endParaRPr b="0" lang="en-US" sz="2000" spc="-1" strike="noStrike">
+              <a:latin typeface="Arial"/>
+            </a:endParaRPr>
+          </a:p>
+          <a:p>
+            <a:pPr lvl="4" marL="2160000" indent="-216000">
+              <a:spcBef>
+                <a:spcPts val="283"/>
               </a:spcBef>
               <a:buClr>
                 <a:srgbClr val="000000"/>
               </a:buClr>
-              <a:buFont typeface="Arial"/>
-              <a:buChar char="•"/>
-            </a:pPr>
-            <a:r>
-              <a:rPr b="0" lang="en-US" sz="1800" spc="-1" strike="noStrike">
-                <a:solidFill>
-                  <a:srgbClr val="000000"/>
-                </a:solidFill>
-                <a:latin typeface="Calibri"/>
-              </a:rPr>
-              <a:t>Fifth level</a:t>
-            </a:r>
-            <a:endParaRPr b="0" lang="en-US" sz="1800" spc="-1" strike="noStrike">
-              <a:solidFill>
+              <a:buSzPct val="45000"/>
+              <a:buFont typeface="Wingdings" charset="2"/>
+              <a:buChar char=""/>
+            </a:pPr>
+            <a:r>
+              <a:rPr b="0" lang="en-US" sz="2000" spc="-1" strike="noStrike">
+                <a:latin typeface="Arial"/>
+              </a:rPr>
+              <a:t>Fifth Outline Level</a:t>
+            </a:r>
+            <a:endParaRPr b="0" lang="en-US" sz="2000" spc="-1" strike="noStrike">
+              <a:latin typeface="Arial"/>
+            </a:endParaRPr>
+          </a:p>
+          <a:p>
+            <a:pPr lvl="5" marL="2592000" indent="-216000">
+              <a:spcBef>
+                <a:spcPts val="283"/>
+              </a:spcBef>
+              <a:buClr>
                 <a:srgbClr val="000000"/>
-              </a:solidFill>
-              <a:latin typeface="Calibri"/>
-            </a:endParaRPr>
-          </a:p>
-        </p:txBody>
-      </p:sp>
-      <p:sp>
-        <p:nvSpPr>
-          <p:cNvPr id="2" name="PlaceHolder 3"/>
-          <p:cNvSpPr>
-            <a:spLocks noGrp="1"/>
-          </p:cNvSpPr>
-          <p:nvPr>
-            <p:ph type="dt"/>
-          </p:nvPr>
-        </p:nvSpPr>
-        <p:spPr>
-          <a:xfrm>
-            <a:off x="838080" y="6356520"/>
-            <a:ext cx="2742840" cy="364680"/>
-          </a:xfrm>
-          <a:prstGeom prst="rect">
-            <a:avLst/>
-          </a:prstGeom>
-        </p:spPr>
-        <p:txBody>
-          <a:bodyPr anchor="ctr">
-            <a:noAutofit/>
-          </a:bodyPr>
-          <a:p>
-            <a:pPr>
-              <a:lnSpc>
-                <a:spcPct val="100000"/>
-              </a:lnSpc>
-            </a:pPr>
-            <a:fld id="{9225F659-A9D6-4C04-BAC8-D8E663395FB8}" type="datetime">
-              <a:rPr b="0" lang="en-US" sz="1200" spc="-1" strike="noStrike">
-                <a:solidFill>
-                  <a:srgbClr val="8b8b8b"/>
-                </a:solidFill>
-                <a:latin typeface="Calibri"/>
-              </a:rPr>
-              <a:t>7/12/21</a:t>
-            </a:fld>
-            <a:endParaRPr b="0" lang="en-US" sz="1200" spc="-1" strike="noStrike">
-              <a:latin typeface="Times New Roman"/>
-            </a:endParaRPr>
-          </a:p>
-        </p:txBody>
-      </p:sp>
-      <p:sp>
-        <p:nvSpPr>
-          <p:cNvPr id="3" name="PlaceHolder 4"/>
-          <p:cNvSpPr>
-            <a:spLocks noGrp="1"/>
-          </p:cNvSpPr>
-          <p:nvPr>
-            <p:ph type="ftr"/>
-          </p:nvPr>
-        </p:nvSpPr>
-        <p:spPr>
-          <a:xfrm>
-            <a:off x="4038480" y="6356520"/>
-            <a:ext cx="4114440" cy="364680"/>
-          </a:xfrm>
-          <a:prstGeom prst="rect">
-            <a:avLst/>
-          </a:prstGeom>
-        </p:spPr>
-        <p:txBody>
-          <a:bodyPr anchor="ctr">
-            <a:noAutofit/>
-          </a:bodyPr>
-          <a:p>
-            <a:endParaRPr b="0" lang="en-US" sz="2400" spc="-1" strike="noStrike">
-              <a:latin typeface="Times New Roman"/>
-            </a:endParaRPr>
-          </a:p>
-        </p:txBody>
-      </p:sp>
-      <p:sp>
-        <p:nvSpPr>
-          <p:cNvPr id="4" name="PlaceHolder 5"/>
-          <p:cNvSpPr>
-            <a:spLocks noGrp="1"/>
-          </p:cNvSpPr>
-          <p:nvPr>
-            <p:ph type="sldNum"/>
-          </p:nvPr>
-        </p:nvSpPr>
-        <p:spPr>
-          <a:xfrm>
-            <a:off x="8610480" y="6356520"/>
-            <a:ext cx="2742840" cy="364680"/>
-          </a:xfrm>
-          <a:prstGeom prst="rect">
-            <a:avLst/>
-          </a:prstGeom>
-        </p:spPr>
-        <p:txBody>
-          <a:bodyPr anchor="ctr">
-            <a:noAutofit/>
-          </a:bodyPr>
-          <a:p>
-            <a:pPr algn="r">
-              <a:lnSpc>
-                <a:spcPct val="100000"/>
-              </a:lnSpc>
-            </a:pPr>
-            <a:fld id="{6A210973-D8B3-46E9-9FA0-2D6608243606}" type="slidenum">
-              <a:rPr b="0" lang="en-US" sz="1200" spc="-1" strike="noStrike">
-                <a:solidFill>
-                  <a:srgbClr val="8b8b8b"/>
-                </a:solidFill>
-                <a:latin typeface="Calibri"/>
-              </a:rPr>
-              <a:t>9</a:t>
-            </a:fld>
-            <a:endParaRPr b="0" lang="en-US" sz="1200" spc="-1" strike="noStrike">
-              <a:latin typeface="Times New Roman"/>
+              </a:buClr>
+              <a:buSzPct val="45000"/>
+              <a:buFont typeface="Wingdings" charset="2"/>
+              <a:buChar char=""/>
+            </a:pPr>
+            <a:r>
+              <a:rPr b="0" lang="en-US" sz="2000" spc="-1" strike="noStrike">
+                <a:latin typeface="Arial"/>
+              </a:rPr>
+              <a:t>Sixth Outline Level</a:t>
+            </a:r>
+            <a:endParaRPr b="0" lang="en-US" sz="2000" spc="-1" strike="noStrike">
+              <a:latin typeface="Arial"/>
+            </a:endParaRPr>
+          </a:p>
+          <a:p>
+            <a:pPr lvl="6" marL="3024000" indent="-216000">
+              <a:spcBef>
+                <a:spcPts val="283"/>
+              </a:spcBef>
+              <a:buClr>
+                <a:srgbClr val="000000"/>
+              </a:buClr>
+              <a:buSzPct val="45000"/>
+              <a:buFont typeface="Wingdings" charset="2"/>
+              <a:buChar char=""/>
+            </a:pPr>
+            <a:r>
+              <a:rPr b="0" lang="en-US" sz="2000" spc="-1" strike="noStrike">
+                <a:latin typeface="Arial"/>
+              </a:rPr>
+              <a:t>Seventh Outline Level</a:t>
+            </a:r>
+            <a:endParaRPr b="0" lang="en-US" sz="2000" spc="-1" strike="noStrike">
+              <a:latin typeface="Arial"/>
             </a:endParaRPr>
           </a:p>
         </p:txBody>
@@ -1887,14 +1662,14 @@
       </p:grpSpPr>
       <p:sp>
         <p:nvSpPr>
-          <p:cNvPr id="41" name="Rectangle 144"/>
+          <p:cNvPr id="38" name="Rectangle 144"/>
           <p:cNvSpPr/>
           <p:nvPr/>
         </p:nvSpPr>
         <p:spPr>
           <a:xfrm>
             <a:off x="0" y="0"/>
-            <a:ext cx="12191760" cy="6857640"/>
+            <a:ext cx="12191400" cy="6857280"/>
           </a:xfrm>
           <a:prstGeom prst="rect">
             <a:avLst/>
@@ -1923,7 +1698,7 @@
       </p:sp>
       <p:pic>
         <p:nvPicPr>
-          <p:cNvPr id="42" name="Picture 2" descr="adidas zx 8000 halloween yellow purple red orange patches ghosts official release date info photos price store list buying guide"/>
+          <p:cNvPr id="39" name="Picture 2" descr="adidas zx 8000 halloween yellow purple red orange patches ghosts official release date info photos price store list buying guide"/>
           <p:cNvPicPr/>
           <p:nvPr/>
         </p:nvPicPr>
@@ -1936,8 +1711,8 @@
         </p:blipFill>
         <p:spPr>
           <a:xfrm rot="5400000">
-            <a:off x="2667240" y="-2666880"/>
-            <a:ext cx="6857640" cy="12191760"/>
+            <a:off x="2667600" y="-2666520"/>
+            <a:ext cx="6857280" cy="12191400"/>
           </a:xfrm>
           <a:prstGeom prst="rect">
             <a:avLst/>
@@ -1949,14 +1724,14 @@
       </p:pic>
       <p:sp>
         <p:nvSpPr>
-          <p:cNvPr id="43" name="Title 3"/>
-          <p:cNvSpPr txBox="1"/>
+          <p:cNvPr id="40" name="Title 3"/>
+          <p:cNvSpPr/>
           <p:nvPr/>
         </p:nvSpPr>
         <p:spPr>
           <a:xfrm>
             <a:off x="838080" y="1065960"/>
-            <a:ext cx="3733920" cy="4726080"/>
+            <a:ext cx="3733560" cy="4725720"/>
           </a:xfrm>
           <a:prstGeom prst="rect">
             <a:avLst/>
@@ -1966,8 +1741,14 @@
             <a:noFill/>
           </a:ln>
         </p:spPr>
-        <p:txBody>
-          <a:bodyPr anchor="ctr">
+        <p:style>
+          <a:lnRef idx="0"/>
+          <a:fillRef idx="0"/>
+          <a:effectRef idx="0"/>
+          <a:fontRef idx="minor"/>
+        </p:style>
+        <p:txBody>
+          <a:bodyPr lIns="90000" rIns="90000" tIns="45000" bIns="45000" anchor="ctr">
             <a:normAutofit/>
           </a:bodyPr>
           <a:p>
@@ -1986,17 +1767,14 @@
               <a:t>Requirements</a:t>
             </a:r>
             <a:endParaRPr b="0" lang="en-US" sz="4000" spc="-1" strike="noStrike">
-              <a:solidFill>
-                <a:srgbClr val="000000"/>
-              </a:solidFill>
-              <a:latin typeface="Calibri"/>
-            </a:endParaRPr>
-          </a:p>
-        </p:txBody>
-      </p:sp>
-      <p:sp>
-        <p:nvSpPr>
-          <p:cNvPr id="44" name="Straight Connector 146"/>
+              <a:latin typeface="Arial"/>
+            </a:endParaRPr>
+          </a:p>
+        </p:txBody>
+      </p:sp>
+      <p:sp>
+        <p:nvSpPr>
+          <p:cNvPr id="41" name="Straight Connector 146"/>
           <p:cNvSpPr/>
           <p:nvPr/>
         </p:nvSpPr>
@@ -2029,14 +1807,14 @@
       </p:sp>
       <p:sp>
         <p:nvSpPr>
-          <p:cNvPr id="45" name="Content Placeholder 1029"/>
-          <p:cNvSpPr txBox="1"/>
+          <p:cNvPr id="42" name="Content Placeholder 1029"/>
+          <p:cNvSpPr/>
           <p:nvPr/>
         </p:nvSpPr>
         <p:spPr>
           <a:xfrm>
             <a:off x="5155200" y="1065960"/>
-            <a:ext cx="5744160" cy="4726080"/>
+            <a:ext cx="5743800" cy="4725720"/>
           </a:xfrm>
           <a:prstGeom prst="rect">
             <a:avLst/>
@@ -2046,12 +1824,18 @@
             <a:noFill/>
           </a:ln>
         </p:spPr>
-        <p:txBody>
-          <a:bodyPr anchor="ctr">
+        <p:style>
+          <a:lnRef idx="0"/>
+          <a:fillRef idx="0"/>
+          <a:effectRef idx="0"/>
+          <a:fontRef idx="minor"/>
+        </p:style>
+        <p:txBody>
+          <a:bodyPr lIns="90000" rIns="90000" tIns="45000" bIns="45000" anchor="ctr">
             <a:normAutofit/>
           </a:bodyPr>
           <a:p>
-            <a:pPr marL="228600" indent="-228240">
+            <a:pPr marL="228600" indent="-227880">
               <a:lnSpc>
                 <a:spcPct val="90000"/>
               </a:lnSpc>
@@ -2074,14 +1858,11 @@
               <a:t>High Performance</a:t>
             </a:r>
             <a:endParaRPr b="0" lang="en-US" sz="2000" spc="-1" strike="noStrike">
-              <a:solidFill>
-                <a:srgbClr val="000000"/>
-              </a:solidFill>
-              <a:latin typeface="Calibri"/>
-            </a:endParaRPr>
-          </a:p>
-          <a:p>
-            <a:pPr marL="228600" indent="-228240">
+              <a:latin typeface="Arial"/>
+            </a:endParaRPr>
+          </a:p>
+          <a:p>
+            <a:pPr marL="228600" indent="-227880">
               <a:lnSpc>
                 <a:spcPct val="90000"/>
               </a:lnSpc>
@@ -2104,14 +1885,11 @@
               <a:t>Scalable</a:t>
             </a:r>
             <a:endParaRPr b="0" lang="en-US" sz="2000" spc="-1" strike="noStrike">
-              <a:solidFill>
-                <a:srgbClr val="000000"/>
-              </a:solidFill>
-              <a:latin typeface="Calibri"/>
-            </a:endParaRPr>
-          </a:p>
-          <a:p>
-            <a:pPr marL="228600" indent="-228240">
+              <a:latin typeface="Arial"/>
+            </a:endParaRPr>
+          </a:p>
+          <a:p>
+            <a:pPr marL="228600" indent="-227880">
               <a:lnSpc>
                 <a:spcPct val="90000"/>
               </a:lnSpc>
@@ -2134,14 +1912,11 @@
               <a:t>Robust</a:t>
             </a:r>
             <a:endParaRPr b="0" lang="en-US" sz="2000" spc="-1" strike="noStrike">
-              <a:solidFill>
-                <a:srgbClr val="000000"/>
-              </a:solidFill>
-              <a:latin typeface="Calibri"/>
-            </a:endParaRPr>
-          </a:p>
-          <a:p>
-            <a:pPr marL="228600" indent="-228240">
+              <a:latin typeface="Arial"/>
+            </a:endParaRPr>
+          </a:p>
+          <a:p>
+            <a:pPr marL="228600" indent="-227880">
               <a:lnSpc>
                 <a:spcPct val="90000"/>
               </a:lnSpc>
@@ -2164,14 +1939,11 @@
               <a:t>Reliable</a:t>
             </a:r>
             <a:endParaRPr b="0" lang="en-US" sz="2000" spc="-1" strike="noStrike">
-              <a:solidFill>
-                <a:srgbClr val="000000"/>
-              </a:solidFill>
-              <a:latin typeface="Calibri"/>
-            </a:endParaRPr>
-          </a:p>
-          <a:p>
-            <a:pPr marL="228600" indent="-228240">
+              <a:latin typeface="Arial"/>
+            </a:endParaRPr>
+          </a:p>
+          <a:p>
+            <a:pPr marL="228600" indent="-227880">
               <a:lnSpc>
                 <a:spcPct val="90000"/>
               </a:lnSpc>
@@ -2194,10 +1966,7 @@
               <a:t>Customer Experience &amp; Satisfaction</a:t>
             </a:r>
             <a:endParaRPr b="0" lang="en-US" sz="2000" spc="-1" strike="noStrike">
-              <a:solidFill>
-                <a:srgbClr val="000000"/>
-              </a:solidFill>
-              <a:latin typeface="Calibri"/>
+              <a:latin typeface="Arial"/>
             </a:endParaRPr>
           </a:p>
           <a:p>
@@ -2210,10 +1979,7 @@
               </a:spcBef>
             </a:pPr>
             <a:endParaRPr b="0" lang="en-US" sz="2000" spc="-1" strike="noStrike">
-              <a:solidFill>
-                <a:srgbClr val="000000"/>
-              </a:solidFill>
-              <a:latin typeface="Calibri"/>
+              <a:latin typeface="Arial"/>
             </a:endParaRPr>
           </a:p>
         </p:txBody>
@@ -2257,14 +2023,14 @@
       </p:grpSpPr>
       <p:sp>
         <p:nvSpPr>
-          <p:cNvPr id="46" name="Rectangle 70"/>
+          <p:cNvPr id="43" name="Rectangle 70"/>
           <p:cNvSpPr/>
           <p:nvPr/>
         </p:nvSpPr>
         <p:spPr>
           <a:xfrm>
             <a:off x="0" y="0"/>
-            <a:ext cx="12191760" cy="6857640"/>
+            <a:ext cx="12191400" cy="6857280"/>
           </a:xfrm>
           <a:prstGeom prst="rect">
             <a:avLst/>
@@ -2293,7 +2059,7 @@
       </p:sp>
       <p:pic>
         <p:nvPicPr>
-          <p:cNvPr id="47" name="Picture 2" descr=""/>
+          <p:cNvPr id="44" name="Picture 2" descr=""/>
           <p:cNvPicPr/>
           <p:nvPr/>
         </p:nvPicPr>
@@ -2307,7 +2073,7 @@
         <p:spPr>
           <a:xfrm>
             <a:off x="0" y="0"/>
-            <a:ext cx="12191760" cy="6857640"/>
+            <a:ext cx="12191400" cy="6857280"/>
           </a:xfrm>
           <a:prstGeom prst="rect">
             <a:avLst/>
@@ -2319,14 +2085,14 @@
       </p:pic>
       <p:sp>
         <p:nvSpPr>
-          <p:cNvPr id="48" name="Title 1"/>
-          <p:cNvSpPr txBox="1"/>
+          <p:cNvPr id="45" name="Title 1"/>
+          <p:cNvSpPr/>
           <p:nvPr/>
         </p:nvSpPr>
         <p:spPr>
           <a:xfrm>
             <a:off x="838080" y="1065960"/>
-            <a:ext cx="3312720" cy="4726080"/>
+            <a:ext cx="3312360" cy="4725720"/>
           </a:xfrm>
           <a:prstGeom prst="rect">
             <a:avLst/>
@@ -2336,8 +2102,14 @@
             <a:noFill/>
           </a:ln>
         </p:spPr>
-        <p:txBody>
-          <a:bodyPr anchor="ctr">
+        <p:style>
+          <a:lnRef idx="0"/>
+          <a:fillRef idx="0"/>
+          <a:effectRef idx="0"/>
+          <a:fontRef idx="minor"/>
+        </p:style>
+        <p:txBody>
+          <a:bodyPr lIns="90000" rIns="90000" tIns="45000" bIns="45000" anchor="ctr">
             <a:normAutofit/>
           </a:bodyPr>
           <a:p>
@@ -2356,17 +2128,14 @@
               <a:t>Choosing Tech Stack?!</a:t>
             </a:r>
             <a:endParaRPr b="0" lang="en-US" sz="4000" spc="-1" strike="noStrike">
-              <a:solidFill>
-                <a:srgbClr val="000000"/>
-              </a:solidFill>
-              <a:latin typeface="Calibri"/>
-            </a:endParaRPr>
-          </a:p>
-        </p:txBody>
-      </p:sp>
-      <p:sp>
-        <p:nvSpPr>
-          <p:cNvPr id="49" name="Straight Connector 72"/>
+              <a:latin typeface="Arial"/>
+            </a:endParaRPr>
+          </a:p>
+        </p:txBody>
+      </p:sp>
+      <p:sp>
+        <p:nvSpPr>
+          <p:cNvPr id="46" name="Straight Connector 72"/>
           <p:cNvSpPr/>
           <p:nvPr/>
         </p:nvSpPr>
@@ -2399,14 +2168,14 @@
       </p:sp>
       <p:sp>
         <p:nvSpPr>
-          <p:cNvPr id="50" name="Content Placeholder 2"/>
-          <p:cNvSpPr txBox="1"/>
+          <p:cNvPr id="47" name="Content Placeholder 2"/>
+          <p:cNvSpPr/>
           <p:nvPr/>
         </p:nvSpPr>
         <p:spPr>
           <a:xfrm>
             <a:off x="5155200" y="1065960"/>
-            <a:ext cx="5744160" cy="4726080"/>
+            <a:ext cx="5743800" cy="4725720"/>
           </a:xfrm>
           <a:prstGeom prst="rect">
             <a:avLst/>
@@ -2416,12 +2185,18 @@
             <a:noFill/>
           </a:ln>
         </p:spPr>
-        <p:txBody>
-          <a:bodyPr anchor="ctr">
+        <p:style>
+          <a:lnRef idx="0"/>
+          <a:fillRef idx="0"/>
+          <a:effectRef idx="0"/>
+          <a:fontRef idx="minor"/>
+        </p:style>
+        <p:txBody>
+          <a:bodyPr lIns="90000" rIns="90000" tIns="45000" bIns="45000" anchor="ctr">
             <a:normAutofit/>
           </a:bodyPr>
           <a:p>
-            <a:pPr marL="228600" indent="-228240">
+            <a:pPr marL="228600" indent="-227880">
               <a:lnSpc>
                 <a:spcPct val="90000"/>
               </a:lnSpc>
@@ -2444,14 +2219,11 @@
               <a:t>Language</a:t>
             </a:r>
             <a:endParaRPr b="0" lang="en-US" sz="2000" spc="-1" strike="noStrike">
-              <a:solidFill>
-                <a:srgbClr val="000000"/>
-              </a:solidFill>
-              <a:latin typeface="Calibri"/>
-            </a:endParaRPr>
-          </a:p>
-          <a:p>
-            <a:pPr marL="228600" indent="-228240">
+              <a:latin typeface="Arial"/>
+            </a:endParaRPr>
+          </a:p>
+          <a:p>
+            <a:pPr marL="228600" indent="-227880">
               <a:lnSpc>
                 <a:spcPct val="90000"/>
               </a:lnSpc>
@@ -2474,14 +2246,11 @@
               <a:t>Framework</a:t>
             </a:r>
             <a:endParaRPr b="0" lang="en-US" sz="2000" spc="-1" strike="noStrike">
-              <a:solidFill>
-                <a:srgbClr val="000000"/>
-              </a:solidFill>
-              <a:latin typeface="Calibri"/>
-            </a:endParaRPr>
-          </a:p>
-          <a:p>
-            <a:pPr marL="228600" indent="-228240">
+              <a:latin typeface="Arial"/>
+            </a:endParaRPr>
+          </a:p>
+          <a:p>
+            <a:pPr marL="228600" indent="-227880">
               <a:lnSpc>
                 <a:spcPct val="90000"/>
               </a:lnSpc>
@@ -2504,14 +2273,11 @@
               <a:t>Database</a:t>
             </a:r>
             <a:endParaRPr b="0" lang="en-US" sz="2000" spc="-1" strike="noStrike">
-              <a:solidFill>
-                <a:srgbClr val="000000"/>
-              </a:solidFill>
-              <a:latin typeface="Calibri"/>
-            </a:endParaRPr>
-          </a:p>
-          <a:p>
-            <a:pPr marL="228600" indent="-228240">
+              <a:latin typeface="Arial"/>
+            </a:endParaRPr>
+          </a:p>
+          <a:p>
+            <a:pPr marL="228600" indent="-227880">
               <a:lnSpc>
                 <a:spcPct val="90000"/>
               </a:lnSpc>
@@ -2534,14 +2300,11 @@
               <a:t>Communication</a:t>
             </a:r>
             <a:endParaRPr b="0" lang="en-US" sz="2000" spc="-1" strike="noStrike">
-              <a:solidFill>
-                <a:srgbClr val="000000"/>
-              </a:solidFill>
-              <a:latin typeface="Calibri"/>
-            </a:endParaRPr>
-          </a:p>
-          <a:p>
-            <a:pPr marL="228600" indent="-228240">
+              <a:latin typeface="Arial"/>
+            </a:endParaRPr>
+          </a:p>
+          <a:p>
+            <a:pPr marL="228600" indent="-227880">
               <a:lnSpc>
                 <a:spcPct val="90000"/>
               </a:lnSpc>
@@ -2564,10 +2327,7 @@
               <a:t>Other Tech??</a:t>
             </a:r>
             <a:endParaRPr b="0" lang="en-US" sz="2000" spc="-1" strike="noStrike">
-              <a:solidFill>
-                <a:srgbClr val="000000"/>
-              </a:solidFill>
-              <a:latin typeface="Calibri"/>
+              <a:latin typeface="Arial"/>
             </a:endParaRPr>
           </a:p>
         </p:txBody>
@@ -2611,14 +2371,14 @@
       </p:grpSpPr>
       <p:sp>
         <p:nvSpPr>
-          <p:cNvPr id="51" name="Rectangle 70"/>
+          <p:cNvPr id="48" name="Rectangle 70"/>
           <p:cNvSpPr/>
           <p:nvPr/>
         </p:nvSpPr>
         <p:spPr>
           <a:xfrm>
             <a:off x="0" y="0"/>
-            <a:ext cx="12191760" cy="6857640"/>
+            <a:ext cx="12191400" cy="6857280"/>
           </a:xfrm>
           <a:prstGeom prst="rect">
             <a:avLst/>
@@ -2647,7 +2407,7 @@
       </p:sp>
       <p:pic>
         <p:nvPicPr>
-          <p:cNvPr id="52" name="Picture 2" descr="adidas YEEZY YEEZY 450 Dark Slate Sneakers"/>
+          <p:cNvPr id="49" name="Picture 2" descr="adidas YEEZY YEEZY 450 Dark Slate Sneakers"/>
           <p:cNvPicPr/>
           <p:nvPr/>
         </p:nvPicPr>
@@ -2655,13 +2415,13 @@
           <a:blip r:embed="rId1">
             <a:alphaModFix amt="35000"/>
           </a:blip>
-          <a:srcRect l="0" t="53685" r="0" b="4120"/>
+          <a:srcRect l="0" t="53679" r="0" b="4120"/>
           <a:stretch/>
         </p:blipFill>
         <p:spPr>
           <a:xfrm>
             <a:off x="0" y="0"/>
-            <a:ext cx="12191760" cy="6857640"/>
+            <a:ext cx="12191400" cy="6857280"/>
           </a:xfrm>
           <a:prstGeom prst="rect">
             <a:avLst/>
@@ -2673,14 +2433,14 @@
       </p:pic>
       <p:sp>
         <p:nvSpPr>
-          <p:cNvPr id="53" name="Title 1"/>
-          <p:cNvSpPr txBox="1"/>
+          <p:cNvPr id="50" name="Title 1"/>
+          <p:cNvSpPr/>
           <p:nvPr/>
         </p:nvSpPr>
         <p:spPr>
           <a:xfrm>
             <a:off x="838080" y="1065960"/>
-            <a:ext cx="3312720" cy="4726080"/>
+            <a:ext cx="3312360" cy="4725720"/>
           </a:xfrm>
           <a:prstGeom prst="rect">
             <a:avLst/>
@@ -2690,8 +2450,14 @@
             <a:noFill/>
           </a:ln>
         </p:spPr>
-        <p:txBody>
-          <a:bodyPr anchor="ctr">
+        <p:style>
+          <a:lnRef idx="0"/>
+          <a:fillRef idx="0"/>
+          <a:effectRef idx="0"/>
+          <a:fontRef idx="minor"/>
+        </p:style>
+        <p:txBody>
+          <a:bodyPr lIns="90000" rIns="90000" tIns="45000" bIns="45000" anchor="ctr">
             <a:normAutofit/>
           </a:bodyPr>
           <a:p>
@@ -2710,17 +2476,14 @@
               <a:t>Language &amp; Frameworks</a:t>
             </a:r>
             <a:endParaRPr b="0" lang="en-US" sz="4000" spc="-1" strike="noStrike">
-              <a:solidFill>
-                <a:srgbClr val="000000"/>
-              </a:solidFill>
-              <a:latin typeface="Calibri"/>
-            </a:endParaRPr>
-          </a:p>
-        </p:txBody>
-      </p:sp>
-      <p:sp>
-        <p:nvSpPr>
-          <p:cNvPr id="54" name="Straight Connector 72"/>
+              <a:latin typeface="Arial"/>
+            </a:endParaRPr>
+          </a:p>
+        </p:txBody>
+      </p:sp>
+      <p:sp>
+        <p:nvSpPr>
+          <p:cNvPr id="51" name="Straight Connector 72"/>
           <p:cNvSpPr/>
           <p:nvPr/>
         </p:nvSpPr>
@@ -2753,14 +2516,14 @@
       </p:sp>
       <p:sp>
         <p:nvSpPr>
-          <p:cNvPr id="55" name="Content Placeholder 2"/>
-          <p:cNvSpPr txBox="1"/>
+          <p:cNvPr id="52" name="Content Placeholder 2"/>
+          <p:cNvSpPr/>
           <p:nvPr/>
         </p:nvSpPr>
         <p:spPr>
           <a:xfrm>
             <a:off x="5155200" y="1065960"/>
-            <a:ext cx="5744160" cy="4726080"/>
+            <a:ext cx="5743800" cy="4725720"/>
           </a:xfrm>
           <a:prstGeom prst="rect">
             <a:avLst/>
@@ -2770,9 +2533,15 @@
             <a:noFill/>
           </a:ln>
         </p:spPr>
-        <p:txBody>
-          <a:bodyPr anchor="ctr">
-            <a:normAutofit fontScale="73000"/>
+        <p:style>
+          <a:lnRef idx="0"/>
+          <a:fillRef idx="0"/>
+          <a:effectRef idx="0"/>
+          <a:fontRef idx="minor"/>
+        </p:style>
+        <p:txBody>
+          <a:bodyPr lIns="90000" rIns="90000" tIns="45000" bIns="45000" anchor="ctr">
+            <a:normAutofit fontScale="65000"/>
           </a:bodyPr>
           <a:p>
             <a:pPr>
@@ -2783,11 +2552,8 @@
                 <a:spcPts val="1001"/>
               </a:spcBef>
             </a:pPr>
-            <a:endParaRPr b="0" lang="en-US" sz="2800" spc="-1" strike="noStrike">
-              <a:solidFill>
-                <a:srgbClr val="000000"/>
-              </a:solidFill>
-              <a:latin typeface="Calibri"/>
+            <a:endParaRPr b="0" lang="en-US" sz="1800" spc="-1" strike="noStrike">
+              <a:latin typeface="Arial"/>
             </a:endParaRPr>
           </a:p>
           <a:p>
@@ -2799,11 +2565,8 @@
                 <a:spcPts val="1001"/>
               </a:spcBef>
             </a:pPr>
-            <a:endParaRPr b="0" lang="en-US" sz="2800" spc="-1" strike="noStrike">
-              <a:solidFill>
-                <a:srgbClr val="000000"/>
-              </a:solidFill>
-              <a:latin typeface="Calibri"/>
+            <a:endParaRPr b="0" lang="en-US" sz="1800" spc="-1" strike="noStrike">
+              <a:latin typeface="Arial"/>
             </a:endParaRPr>
           </a:p>
           <a:p>
@@ -2815,11 +2578,8 @@
                 <a:spcPts val="1001"/>
               </a:spcBef>
             </a:pPr>
-            <a:endParaRPr b="0" lang="en-US" sz="2800" spc="-1" strike="noStrike">
-              <a:solidFill>
-                <a:srgbClr val="000000"/>
-              </a:solidFill>
-              <a:latin typeface="Calibri"/>
+            <a:endParaRPr b="0" lang="en-US" sz="1800" spc="-1" strike="noStrike">
+              <a:latin typeface="Arial"/>
             </a:endParaRPr>
           </a:p>
           <a:p>
@@ -2831,15 +2591,12 @@
                 <a:spcPts val="1001"/>
               </a:spcBef>
             </a:pPr>
-            <a:endParaRPr b="0" lang="en-US" sz="2800" spc="-1" strike="noStrike">
-              <a:solidFill>
-                <a:srgbClr val="000000"/>
-              </a:solidFill>
-              <a:latin typeface="Calibri"/>
-            </a:endParaRPr>
-          </a:p>
-          <a:p>
-            <a:pPr marL="228600" indent="-228240">
+            <a:endParaRPr b="0" lang="en-US" sz="1800" spc="-1" strike="noStrike">
+              <a:latin typeface="Arial"/>
+            </a:endParaRPr>
+          </a:p>
+          <a:p>
+            <a:pPr marL="228600" indent="-227880">
               <a:lnSpc>
                 <a:spcPct val="90000"/>
               </a:lnSpc>
@@ -2862,14 +2619,11 @@
               <a:t>Java 11</a:t>
             </a:r>
             <a:endParaRPr b="0" lang="en-US" sz="2000" spc="-1" strike="noStrike">
-              <a:solidFill>
-                <a:srgbClr val="000000"/>
-              </a:solidFill>
-              <a:latin typeface="Calibri"/>
-            </a:endParaRPr>
-          </a:p>
-          <a:p>
-            <a:pPr marL="228600" indent="-228240">
+              <a:latin typeface="Arial"/>
+            </a:endParaRPr>
+          </a:p>
+          <a:p>
+            <a:pPr marL="228600" indent="-227880">
               <a:lnSpc>
                 <a:spcPct val="90000"/>
               </a:lnSpc>
@@ -2892,14 +2646,11 @@
               <a:t>Gradle</a:t>
             </a:r>
             <a:endParaRPr b="0" lang="en-US" sz="2000" spc="-1" strike="noStrike">
-              <a:solidFill>
-                <a:srgbClr val="000000"/>
-              </a:solidFill>
-              <a:latin typeface="Calibri"/>
-            </a:endParaRPr>
-          </a:p>
-          <a:p>
-            <a:pPr marL="228600" indent="-228240">
+              <a:latin typeface="Arial"/>
+            </a:endParaRPr>
+          </a:p>
+          <a:p>
+            <a:pPr marL="228600" indent="-227880">
               <a:lnSpc>
                 <a:spcPct val="90000"/>
               </a:lnSpc>
@@ -2922,14 +2673,11 @@
               <a:t>SpringBoot</a:t>
             </a:r>
             <a:endParaRPr b="0" lang="en-US" sz="2000" spc="-1" strike="noStrike">
-              <a:solidFill>
-                <a:srgbClr val="000000"/>
-              </a:solidFill>
-              <a:latin typeface="Calibri"/>
-            </a:endParaRPr>
-          </a:p>
-          <a:p>
-            <a:pPr marL="228600" indent="-228240">
+              <a:latin typeface="Arial"/>
+            </a:endParaRPr>
+          </a:p>
+          <a:p>
+            <a:pPr marL="228600" indent="-227880">
               <a:lnSpc>
                 <a:spcPct val="90000"/>
               </a:lnSpc>
@@ -2952,14 +2700,11 @@
               <a:t>Junit5</a:t>
             </a:r>
             <a:endParaRPr b="0" lang="en-US" sz="2000" spc="-1" strike="noStrike">
-              <a:solidFill>
-                <a:srgbClr val="000000"/>
-              </a:solidFill>
-              <a:latin typeface="Calibri"/>
-            </a:endParaRPr>
-          </a:p>
-          <a:p>
-            <a:pPr marL="228600" indent="-228240">
+              <a:latin typeface="Arial"/>
+            </a:endParaRPr>
+          </a:p>
+          <a:p>
+            <a:pPr marL="228600" indent="-227880">
               <a:lnSpc>
                 <a:spcPct val="90000"/>
               </a:lnSpc>
@@ -2982,10 +2727,7 @@
               <a:t>TestContainers</a:t>
             </a:r>
             <a:endParaRPr b="0" lang="en-US" sz="2000" spc="-1" strike="noStrike">
-              <a:solidFill>
-                <a:srgbClr val="000000"/>
-              </a:solidFill>
-              <a:latin typeface="Calibri"/>
+              <a:latin typeface="Arial"/>
             </a:endParaRPr>
           </a:p>
           <a:p>
@@ -2998,10 +2740,7 @@
               </a:spcBef>
             </a:pPr>
             <a:endParaRPr b="0" lang="en-US" sz="2000" spc="-1" strike="noStrike">
-              <a:solidFill>
-                <a:srgbClr val="000000"/>
-              </a:solidFill>
-              <a:latin typeface="Calibri"/>
+              <a:latin typeface="Arial"/>
             </a:endParaRPr>
           </a:p>
           <a:p>
@@ -3014,10 +2753,7 @@
               </a:spcBef>
             </a:pPr>
             <a:endParaRPr b="0" lang="en-US" sz="2000" spc="-1" strike="noStrike">
-              <a:solidFill>
-                <a:srgbClr val="000000"/>
-              </a:solidFill>
-              <a:latin typeface="Calibri"/>
+              <a:latin typeface="Arial"/>
             </a:endParaRPr>
           </a:p>
           <a:p>
@@ -3030,10 +2766,7 @@
               </a:spcBef>
             </a:pPr>
             <a:endParaRPr b="0" lang="en-US" sz="2000" spc="-1" strike="noStrike">
-              <a:solidFill>
-                <a:srgbClr val="000000"/>
-              </a:solidFill>
-              <a:latin typeface="Calibri"/>
+              <a:latin typeface="Arial"/>
             </a:endParaRPr>
           </a:p>
           <a:p>
@@ -3046,14 +2779,11 @@
               </a:spcBef>
             </a:pPr>
             <a:endParaRPr b="0" lang="en-US" sz="2000" spc="-1" strike="noStrike">
-              <a:solidFill>
-                <a:srgbClr val="000000"/>
-              </a:solidFill>
-              <a:latin typeface="Calibri"/>
-            </a:endParaRPr>
-          </a:p>
-          <a:p>
-            <a:pPr marL="228600" indent="-228240">
+              <a:latin typeface="Arial"/>
+            </a:endParaRPr>
+          </a:p>
+          <a:p>
+            <a:pPr marL="228600" indent="-227880">
               <a:lnSpc>
                 <a:spcPct val="90000"/>
               </a:lnSpc>
@@ -3085,10 +2815,7 @@
               <a:t>longest way round is the nearest way home</a:t>
             </a:r>
             <a:endParaRPr b="0" lang="en-US" sz="2000" spc="-1" strike="noStrike">
-              <a:solidFill>
-                <a:srgbClr val="000000"/>
-              </a:solidFill>
-              <a:latin typeface="Calibri"/>
+              <a:latin typeface="Arial"/>
             </a:endParaRPr>
           </a:p>
           <a:p>
@@ -3104,10 +2831,7 @@
               </a:tabLst>
             </a:pPr>
             <a:endParaRPr b="0" lang="en-US" sz="2000" spc="-1" strike="noStrike">
-              <a:solidFill>
-                <a:srgbClr val="000000"/>
-              </a:solidFill>
-              <a:latin typeface="Calibri"/>
+              <a:latin typeface="Arial"/>
             </a:endParaRPr>
           </a:p>
         </p:txBody>
@@ -3151,14 +2875,14 @@
       </p:grpSpPr>
       <p:sp>
         <p:nvSpPr>
-          <p:cNvPr id="56" name="Rectangle 72"/>
+          <p:cNvPr id="53" name="Rectangle 72"/>
           <p:cNvSpPr/>
           <p:nvPr/>
         </p:nvSpPr>
         <p:spPr>
           <a:xfrm>
             <a:off x="0" y="0"/>
-            <a:ext cx="12191760" cy="6857640"/>
+            <a:ext cx="12191400" cy="6857280"/>
           </a:xfrm>
           <a:prstGeom prst="rect">
             <a:avLst/>
@@ -3187,7 +2911,7 @@
       </p:sp>
       <p:pic>
         <p:nvPicPr>
-          <p:cNvPr id="57" name="Picture 2" descr=""/>
+          <p:cNvPr id="54" name="Picture 2" descr=""/>
           <p:cNvPicPr/>
           <p:nvPr/>
         </p:nvPicPr>
@@ -3201,7 +2925,7 @@
         <p:spPr>
           <a:xfrm>
             <a:off x="0" y="0"/>
-            <a:ext cx="12191760" cy="6857640"/>
+            <a:ext cx="12191400" cy="6857280"/>
           </a:xfrm>
           <a:prstGeom prst="rect">
             <a:avLst/>
@@ -3213,14 +2937,14 @@
       </p:pic>
       <p:sp>
         <p:nvSpPr>
-          <p:cNvPr id="58" name="Title 1"/>
-          <p:cNvSpPr txBox="1"/>
+          <p:cNvPr id="55" name="Title 1"/>
+          <p:cNvSpPr/>
           <p:nvPr/>
         </p:nvSpPr>
         <p:spPr>
           <a:xfrm>
             <a:off x="838080" y="1065960"/>
-            <a:ext cx="3312720" cy="4726080"/>
+            <a:ext cx="3312360" cy="4725720"/>
           </a:xfrm>
           <a:prstGeom prst="rect">
             <a:avLst/>
@@ -3230,8 +2954,14 @@
             <a:noFill/>
           </a:ln>
         </p:spPr>
-        <p:txBody>
-          <a:bodyPr anchor="ctr">
+        <p:style>
+          <a:lnRef idx="0"/>
+          <a:fillRef idx="0"/>
+          <a:effectRef idx="0"/>
+          <a:fontRef idx="minor"/>
+        </p:style>
+        <p:txBody>
+          <a:bodyPr lIns="90000" rIns="90000" tIns="45000" bIns="45000" anchor="ctr">
             <a:normAutofit/>
           </a:bodyPr>
           <a:p>
@@ -3250,17 +2980,14 @@
               <a:t>Database</a:t>
             </a:r>
             <a:endParaRPr b="0" lang="en-US" sz="4000" spc="-1" strike="noStrike">
-              <a:solidFill>
-                <a:srgbClr val="000000"/>
-              </a:solidFill>
-              <a:latin typeface="Calibri"/>
-            </a:endParaRPr>
-          </a:p>
-        </p:txBody>
-      </p:sp>
-      <p:sp>
-        <p:nvSpPr>
-          <p:cNvPr id="59" name="Straight Connector 74"/>
+              <a:latin typeface="Arial"/>
+            </a:endParaRPr>
+          </a:p>
+        </p:txBody>
+      </p:sp>
+      <p:sp>
+        <p:nvSpPr>
+          <p:cNvPr id="56" name="Straight Connector 74"/>
           <p:cNvSpPr/>
           <p:nvPr/>
         </p:nvSpPr>
@@ -3293,14 +3020,14 @@
       </p:sp>
       <p:sp>
         <p:nvSpPr>
-          <p:cNvPr id="60" name="Content Placeholder 4101"/>
-          <p:cNvSpPr txBox="1"/>
+          <p:cNvPr id="57" name="Content Placeholder 4101"/>
+          <p:cNvSpPr/>
           <p:nvPr/>
         </p:nvSpPr>
         <p:spPr>
           <a:xfrm>
             <a:off x="5155200" y="1065960"/>
-            <a:ext cx="5744160" cy="4726080"/>
+            <a:ext cx="5743800" cy="4725720"/>
           </a:xfrm>
           <a:prstGeom prst="rect">
             <a:avLst/>
@@ -3310,12 +3037,18 @@
             <a:noFill/>
           </a:ln>
         </p:spPr>
-        <p:txBody>
-          <a:bodyPr anchor="ctr">
+        <p:style>
+          <a:lnRef idx="0"/>
+          <a:fillRef idx="0"/>
+          <a:effectRef idx="0"/>
+          <a:fontRef idx="minor"/>
+        </p:style>
+        <p:txBody>
+          <a:bodyPr lIns="90000" rIns="90000" tIns="45000" bIns="45000" anchor="ctr">
             <a:normAutofit/>
           </a:bodyPr>
           <a:p>
-            <a:pPr marL="228600" indent="-228240">
+            <a:pPr marL="228600" indent="-227880">
               <a:lnSpc>
                 <a:spcPct val="90000"/>
               </a:lnSpc>
@@ -3338,10 +3071,7 @@
               <a:t>Redis</a:t>
             </a:r>
             <a:endParaRPr b="0" lang="en-US" sz="2000" spc="-1" strike="noStrike">
-              <a:solidFill>
-                <a:srgbClr val="000000"/>
-              </a:solidFill>
-              <a:latin typeface="Calibri"/>
+              <a:latin typeface="Arial"/>
             </a:endParaRPr>
           </a:p>
           <a:p>
@@ -3354,14 +3084,11 @@
               </a:spcBef>
             </a:pPr>
             <a:endParaRPr b="0" lang="en-US" sz="2000" spc="-1" strike="noStrike">
-              <a:solidFill>
-                <a:srgbClr val="000000"/>
-              </a:solidFill>
-              <a:latin typeface="Calibri"/>
-            </a:endParaRPr>
-          </a:p>
-          <a:p>
-            <a:pPr marL="228600" indent="-228240">
+              <a:latin typeface="Arial"/>
+            </a:endParaRPr>
+          </a:p>
+          <a:p>
+            <a:pPr marL="228600" indent="-227880">
               <a:lnSpc>
                 <a:spcPct val="90000"/>
               </a:lnSpc>
@@ -3384,14 +3111,11 @@
               <a:t>Do we need long persistence?</a:t>
             </a:r>
             <a:endParaRPr b="0" lang="en-US" sz="2000" spc="-1" strike="noStrike">
-              <a:solidFill>
-                <a:srgbClr val="000000"/>
-              </a:solidFill>
-              <a:latin typeface="Calibri"/>
-            </a:endParaRPr>
-          </a:p>
-          <a:p>
-            <a:pPr marL="228600" indent="-228240">
+              <a:latin typeface="Arial"/>
+            </a:endParaRPr>
+          </a:p>
+          <a:p>
+            <a:pPr marL="228600" indent="-227880">
               <a:lnSpc>
                 <a:spcPct val="90000"/>
               </a:lnSpc>
@@ -3414,14 +3138,11 @@
               <a:t>How fast it should be?</a:t>
             </a:r>
             <a:endParaRPr b="0" lang="en-US" sz="2000" spc="-1" strike="noStrike">
-              <a:solidFill>
-                <a:srgbClr val="000000"/>
-              </a:solidFill>
-              <a:latin typeface="Calibri"/>
-            </a:endParaRPr>
-          </a:p>
-          <a:p>
-            <a:pPr marL="228600" indent="-228240">
+              <a:latin typeface="Arial"/>
+            </a:endParaRPr>
+          </a:p>
+          <a:p>
+            <a:pPr marL="228600" indent="-227880">
               <a:lnSpc>
                 <a:spcPct val="90000"/>
               </a:lnSpc>
@@ -3444,14 +3165,11 @@
               <a:t>Easy to maintain?</a:t>
             </a:r>
             <a:endParaRPr b="0" lang="en-US" sz="2000" spc="-1" strike="noStrike">
-              <a:solidFill>
-                <a:srgbClr val="000000"/>
-              </a:solidFill>
-              <a:latin typeface="Calibri"/>
-            </a:endParaRPr>
-          </a:p>
-          <a:p>
-            <a:pPr marL="228600" indent="-228240">
+              <a:latin typeface="Arial"/>
+            </a:endParaRPr>
+          </a:p>
+          <a:p>
+            <a:pPr marL="228600" indent="-227880">
               <a:lnSpc>
                 <a:spcPct val="90000"/>
               </a:lnSpc>
@@ -3474,10 +3192,7 @@
               <a:t>Is it ok to remove from Infrastructure?</a:t>
             </a:r>
             <a:endParaRPr b="0" lang="en-US" sz="2000" spc="-1" strike="noStrike">
-              <a:solidFill>
-                <a:srgbClr val="000000"/>
-              </a:solidFill>
-              <a:latin typeface="Calibri"/>
+              <a:latin typeface="Arial"/>
             </a:endParaRPr>
           </a:p>
         </p:txBody>
@@ -3521,14 +3236,14 @@
       </p:grpSpPr>
       <p:sp>
         <p:nvSpPr>
-          <p:cNvPr id="61" name="Rectangle 70"/>
+          <p:cNvPr id="58" name="Rectangle 70"/>
           <p:cNvSpPr/>
           <p:nvPr/>
         </p:nvSpPr>
         <p:spPr>
           <a:xfrm>
             <a:off x="0" y="0"/>
-            <a:ext cx="12191760" cy="6857640"/>
+            <a:ext cx="12191400" cy="6857280"/>
           </a:xfrm>
           <a:prstGeom prst="rect">
             <a:avLst/>
@@ -3557,7 +3272,7 @@
       </p:sp>
       <p:pic>
         <p:nvPicPr>
-          <p:cNvPr id="62" name="Picture 2" descr=""/>
+          <p:cNvPr id="59" name="Picture 2" descr=""/>
           <p:cNvPicPr/>
           <p:nvPr/>
         </p:nvPicPr>
@@ -3565,13 +3280,13 @@
           <a:blip r:embed="rId1">
             <a:alphaModFix amt="35000"/>
           </a:blip>
-          <a:srcRect l="0" t="19843" r="0" b="23899"/>
+          <a:srcRect l="0" t="19843" r="0" b="23893"/>
           <a:stretch/>
         </p:blipFill>
         <p:spPr>
           <a:xfrm>
             <a:off x="0" y="0"/>
-            <a:ext cx="12191760" cy="6857640"/>
+            <a:ext cx="12191400" cy="6857280"/>
           </a:xfrm>
           <a:prstGeom prst="rect">
             <a:avLst/>
@@ -3583,14 +3298,14 @@
       </p:pic>
       <p:sp>
         <p:nvSpPr>
-          <p:cNvPr id="63" name="Title 1"/>
-          <p:cNvSpPr txBox="1"/>
+          <p:cNvPr id="60" name="Title 1"/>
+          <p:cNvSpPr/>
           <p:nvPr/>
         </p:nvSpPr>
         <p:spPr>
           <a:xfrm>
             <a:off x="838080" y="1065960"/>
-            <a:ext cx="3312720" cy="4726080"/>
+            <a:ext cx="3312360" cy="4725720"/>
           </a:xfrm>
           <a:prstGeom prst="rect">
             <a:avLst/>
@@ -3600,8 +3315,14 @@
             <a:noFill/>
           </a:ln>
         </p:spPr>
-        <p:txBody>
-          <a:bodyPr anchor="ctr">
+        <p:style>
+          <a:lnRef idx="0"/>
+          <a:fillRef idx="0"/>
+          <a:effectRef idx="0"/>
+          <a:fontRef idx="minor"/>
+        </p:style>
+        <p:txBody>
+          <a:bodyPr lIns="90000" rIns="90000" tIns="45000" bIns="45000" anchor="ctr">
             <a:normAutofit/>
           </a:bodyPr>
           <a:p>
@@ -3631,17 +3352,14 @@
               <a:t>Is good old DB lock still enough?</a:t>
             </a:r>
             <a:endParaRPr b="0" lang="en-US" sz="4000" spc="-1" strike="noStrike">
-              <a:solidFill>
-                <a:srgbClr val="000000"/>
-              </a:solidFill>
-              <a:latin typeface="Calibri"/>
-            </a:endParaRPr>
-          </a:p>
-        </p:txBody>
-      </p:sp>
-      <p:sp>
-        <p:nvSpPr>
-          <p:cNvPr id="64" name="Straight Connector 72"/>
+              <a:latin typeface="Arial"/>
+            </a:endParaRPr>
+          </a:p>
+        </p:txBody>
+      </p:sp>
+      <p:sp>
+        <p:nvSpPr>
+          <p:cNvPr id="61" name="Straight Connector 72"/>
           <p:cNvSpPr/>
           <p:nvPr/>
         </p:nvSpPr>
@@ -3674,14 +3392,14 @@
       </p:sp>
       <p:sp>
         <p:nvSpPr>
-          <p:cNvPr id="65" name="Content Placeholder 2"/>
-          <p:cNvSpPr txBox="1"/>
+          <p:cNvPr id="62" name="Content Placeholder 2"/>
+          <p:cNvSpPr/>
           <p:nvPr/>
         </p:nvSpPr>
         <p:spPr>
           <a:xfrm>
             <a:off x="5155200" y="1065960"/>
-            <a:ext cx="5744160" cy="4726080"/>
+            <a:ext cx="5743800" cy="4725720"/>
           </a:xfrm>
           <a:prstGeom prst="rect">
             <a:avLst/>
@@ -3691,12 +3409,18 @@
             <a:noFill/>
           </a:ln>
         </p:spPr>
-        <p:txBody>
-          <a:bodyPr anchor="ctr">
+        <p:style>
+          <a:lnRef idx="0"/>
+          <a:fillRef idx="0"/>
+          <a:effectRef idx="0"/>
+          <a:fontRef idx="minor"/>
+        </p:style>
+        <p:txBody>
+          <a:bodyPr lIns="90000" rIns="90000" tIns="45000" bIns="45000" anchor="ctr">
             <a:normAutofit/>
           </a:bodyPr>
           <a:p>
-            <a:pPr marL="228600" indent="-228240">
+            <a:pPr marL="228600" indent="-227880">
               <a:lnSpc>
                 <a:spcPct val="90000"/>
               </a:lnSpc>
@@ -3737,14 +3461,11 @@
               <a:t>!</a:t>
             </a:r>
             <a:endParaRPr b="0" lang="en-US" sz="2000" spc="-1" strike="noStrike">
-              <a:solidFill>
-                <a:srgbClr val="000000"/>
-              </a:solidFill>
-              <a:latin typeface="Calibri"/>
-            </a:endParaRPr>
-          </a:p>
-          <a:p>
-            <a:pPr marL="228600" indent="-228240">
+              <a:latin typeface="Arial"/>
+            </a:endParaRPr>
+          </a:p>
+          <a:p>
+            <a:pPr marL="228600" indent="-227880">
               <a:lnSpc>
                 <a:spcPct val="90000"/>
               </a:lnSpc>
@@ -3767,14 +3488,11 @@
               <a:t>WATCH with Redis?</a:t>
             </a:r>
             <a:endParaRPr b="0" lang="en-US" sz="2000" spc="-1" strike="noStrike">
-              <a:solidFill>
-                <a:srgbClr val="000000"/>
-              </a:solidFill>
-              <a:latin typeface="Calibri"/>
-            </a:endParaRPr>
-          </a:p>
-          <a:p>
-            <a:pPr marL="228600" indent="-228240">
+              <a:latin typeface="Arial"/>
+            </a:endParaRPr>
+          </a:p>
+          <a:p>
+            <a:pPr marL="228600" indent="-227880">
               <a:lnSpc>
                 <a:spcPct val="90000"/>
               </a:lnSpc>
@@ -3797,14 +3515,11 @@
               <a:t>Unneccassary exceptions</a:t>
             </a:r>
             <a:endParaRPr b="0" lang="en-US" sz="2000" spc="-1" strike="noStrike">
-              <a:solidFill>
-                <a:srgbClr val="000000"/>
-              </a:solidFill>
-              <a:latin typeface="Calibri"/>
-            </a:endParaRPr>
-          </a:p>
-          <a:p>
-            <a:pPr marL="228600" indent="-228240">
+              <a:latin typeface="Arial"/>
+            </a:endParaRPr>
+          </a:p>
+          <a:p>
+            <a:pPr marL="228600" indent="-227880">
               <a:lnSpc>
                 <a:spcPct val="90000"/>
               </a:lnSpc>
@@ -3827,14 +3542,11 @@
               <a:t>Unsatisfied customers</a:t>
             </a:r>
             <a:endParaRPr b="0" lang="en-US" sz="2000" spc="-1" strike="noStrike">
-              <a:solidFill>
-                <a:srgbClr val="000000"/>
-              </a:solidFill>
-              <a:latin typeface="Calibri"/>
-            </a:endParaRPr>
-          </a:p>
-          <a:p>
-            <a:pPr marL="228600" indent="-228240">
+              <a:latin typeface="Arial"/>
+            </a:endParaRPr>
+          </a:p>
+          <a:p>
+            <a:pPr marL="228600" indent="-227880">
               <a:lnSpc>
                 <a:spcPct val="90000"/>
               </a:lnSpc>
@@ -3854,31 +3566,10 @@
                 </a:solidFill>
                 <a:latin typeface="Calibri"/>
               </a:rPr>
-              <a:t>DB shold not the place that we can </a:t>
-            </a:r>
-            <a:r>
-              <a:rPr b="0" lang="de-DE" sz="2000" spc="-1" strike="noStrike">
-                <a:solidFill>
-                  <a:srgbClr val="ffffff"/>
-                </a:solidFill>
-                <a:latin typeface="Calibri"/>
-              </a:rPr>
-              <a:t>develop business logic. DB is DB. Store </a:t>
-            </a:r>
-            <a:r>
-              <a:rPr b="0" lang="de-DE" sz="2000" spc="-1" strike="noStrike">
-                <a:solidFill>
-                  <a:srgbClr val="ffffff"/>
-                </a:solidFill>
-                <a:latin typeface="Calibri"/>
-              </a:rPr>
-              <a:t>the data, not much not less.</a:t>
+              <a:t>DB shold not the place that we can develop business logic. DB is DB. Store the data, not much not less.</a:t>
             </a:r>
             <a:endParaRPr b="0" lang="en-US" sz="2000" spc="-1" strike="noStrike">
-              <a:solidFill>
-                <a:srgbClr val="000000"/>
-              </a:solidFill>
-              <a:latin typeface="Calibri"/>
+              <a:latin typeface="Arial"/>
             </a:endParaRPr>
           </a:p>
           <a:p>
@@ -3891,10 +3582,7 @@
               </a:spcBef>
             </a:pPr>
             <a:endParaRPr b="0" lang="en-US" sz="2000" spc="-1" strike="noStrike">
-              <a:solidFill>
-                <a:srgbClr val="000000"/>
-              </a:solidFill>
-              <a:latin typeface="Calibri"/>
+              <a:latin typeface="Arial"/>
             </a:endParaRPr>
           </a:p>
           <a:p>
@@ -3907,14 +3595,11 @@
               </a:spcBef>
             </a:pPr>
             <a:endParaRPr b="0" lang="en-US" sz="2000" spc="-1" strike="noStrike">
-              <a:solidFill>
-                <a:srgbClr val="000000"/>
-              </a:solidFill>
-              <a:latin typeface="Calibri"/>
-            </a:endParaRPr>
-          </a:p>
-          <a:p>
-            <a:pPr marL="228600" indent="-228240">
+              <a:latin typeface="Arial"/>
+            </a:endParaRPr>
+          </a:p>
+          <a:p>
+            <a:pPr marL="228600" indent="-227880">
               <a:lnSpc>
                 <a:spcPct val="90000"/>
               </a:lnSpc>
@@ -3934,22 +3619,10 @@
                 </a:solidFill>
                 <a:latin typeface="Calibri"/>
               </a:rPr>
-              <a:t>What will be the solution then, can be </a:t>
-            </a:r>
-            <a:r>
-              <a:rPr b="0" lang="de-DE" sz="2000" spc="-1" strike="noStrike">
-                <a:solidFill>
-                  <a:srgbClr val="ffffff"/>
-                </a:solidFill>
-                <a:latin typeface="Calibri"/>
-              </a:rPr>
-              <a:t>Event Messages?</a:t>
+              <a:t>What will be the solution then, can be Event Messages?</a:t>
             </a:r>
             <a:endParaRPr b="0" lang="en-US" sz="2000" spc="-1" strike="noStrike">
-              <a:solidFill>
-                <a:srgbClr val="000000"/>
-              </a:solidFill>
-              <a:latin typeface="Calibri"/>
+              <a:latin typeface="Arial"/>
             </a:endParaRPr>
           </a:p>
         </p:txBody>
@@ -3993,14 +3666,14 @@
       </p:grpSpPr>
       <p:sp>
         <p:nvSpPr>
-          <p:cNvPr id="66" name="!!BGRectangle"/>
+          <p:cNvPr id="63" name="!!BGRectangle"/>
           <p:cNvSpPr/>
           <p:nvPr/>
         </p:nvSpPr>
         <p:spPr>
           <a:xfrm>
             <a:off x="2880" y="-6120"/>
-            <a:ext cx="12188520" cy="6857640"/>
+            <a:ext cx="12188160" cy="6857280"/>
           </a:xfrm>
           <a:prstGeom prst="rect">
             <a:avLst/>
@@ -4029,14 +3702,14 @@
       </p:sp>
       <p:sp>
         <p:nvSpPr>
-          <p:cNvPr id="67" name="Rectangle 192"/>
+          <p:cNvPr id="64" name="Rectangle 192"/>
           <p:cNvSpPr/>
           <p:nvPr/>
         </p:nvSpPr>
         <p:spPr>
           <a:xfrm>
             <a:off x="0" y="0"/>
-            <a:ext cx="12191760" cy="6857640"/>
+            <a:ext cx="12191400" cy="6857280"/>
           </a:xfrm>
           <a:prstGeom prst="rect">
             <a:avLst/>
@@ -4065,7 +3738,7 @@
       </p:sp>
       <p:pic>
         <p:nvPicPr>
-          <p:cNvPr id="68" name="Picture 2" descr=""/>
+          <p:cNvPr id="65" name="Picture 2" descr=""/>
           <p:cNvPicPr/>
           <p:nvPr/>
         </p:nvPicPr>
@@ -4073,13 +3746,13 @@
           <a:blip r:embed="rId1">
             <a:alphaModFix amt="50000"/>
           </a:blip>
-          <a:srcRect l="0" t="27616" r="0" b="16126"/>
+          <a:srcRect l="0" t="27609" r="0" b="16126"/>
           <a:stretch/>
         </p:blipFill>
         <p:spPr>
           <a:xfrm>
             <a:off x="0" y="0"/>
-            <a:ext cx="12191760" cy="6857640"/>
+            <a:ext cx="12191400" cy="6857280"/>
           </a:xfrm>
           <a:prstGeom prst="rect">
             <a:avLst/>
@@ -4091,14 +3764,14 @@
       </p:pic>
       <p:sp>
         <p:nvSpPr>
-          <p:cNvPr id="69" name="Title 1"/>
-          <p:cNvSpPr txBox="1"/>
+          <p:cNvPr id="66" name="Title 1"/>
+          <p:cNvSpPr/>
           <p:nvPr/>
         </p:nvSpPr>
         <p:spPr>
           <a:xfrm>
             <a:off x="838080" y="963720"/>
-            <a:ext cx="3494160" cy="4929840"/>
+            <a:ext cx="3493800" cy="4929480"/>
           </a:xfrm>
           <a:prstGeom prst="rect">
             <a:avLst/>
@@ -4108,8 +3781,14 @@
             <a:noFill/>
           </a:ln>
         </p:spPr>
-        <p:txBody>
-          <a:bodyPr anchor="ctr">
+        <p:style>
+          <a:lnRef idx="0"/>
+          <a:fillRef idx="0"/>
+          <a:effectRef idx="0"/>
+          <a:fontRef idx="minor"/>
+        </p:style>
+        <p:txBody>
+          <a:bodyPr lIns="90000" rIns="90000" tIns="45000" bIns="45000" anchor="ctr">
             <a:normAutofit/>
           </a:bodyPr>
           <a:p>
@@ -4128,24 +3807,21 @@
               <a:t>KAFKA</a:t>
             </a:r>
             <a:endParaRPr b="0" lang="en-US" sz="4400" spc="-1" strike="noStrike">
-              <a:solidFill>
-                <a:srgbClr val="000000"/>
-              </a:solidFill>
-              <a:latin typeface="Calibri"/>
-            </a:endParaRPr>
-          </a:p>
-        </p:txBody>
-      </p:sp>
-      <p:sp>
-        <p:nvSpPr>
-          <p:cNvPr id="70" name="!!Line"/>
+              <a:latin typeface="Arial"/>
+            </a:endParaRPr>
+          </a:p>
+        </p:txBody>
+      </p:sp>
+      <p:sp>
+        <p:nvSpPr>
+          <p:cNvPr id="67" name="!!Line"/>
           <p:cNvSpPr/>
           <p:nvPr/>
         </p:nvSpPr>
         <p:spPr>
           <a:xfrm>
             <a:off x="4640760" y="2057400"/>
-            <a:ext cx="27000" cy="2742840"/>
+            <a:ext cx="26640" cy="2742480"/>
           </a:xfrm>
           <a:prstGeom prst="rect">
             <a:avLst/>
@@ -4174,14 +3850,14 @@
       </p:sp>
       <p:sp>
         <p:nvSpPr>
-          <p:cNvPr id="71" name="Content Placeholder 2"/>
-          <p:cNvSpPr txBox="1"/>
+          <p:cNvPr id="68" name="Content Placeholder 2"/>
+          <p:cNvSpPr/>
           <p:nvPr/>
         </p:nvSpPr>
         <p:spPr>
           <a:xfrm>
             <a:off x="4975920" y="963720"/>
-            <a:ext cx="6377400" cy="4929840"/>
+            <a:ext cx="6377040" cy="4929480"/>
           </a:xfrm>
           <a:prstGeom prst="rect">
             <a:avLst/>
@@ -4191,12 +3867,18 @@
             <a:noFill/>
           </a:ln>
         </p:spPr>
-        <p:txBody>
-          <a:bodyPr anchor="ctr">
+        <p:style>
+          <a:lnRef idx="0"/>
+          <a:fillRef idx="0"/>
+          <a:effectRef idx="0"/>
+          <a:fontRef idx="minor"/>
+        </p:style>
+        <p:txBody>
+          <a:bodyPr lIns="90000" rIns="90000" tIns="45000" bIns="45000" anchor="ctr">
             <a:normAutofit/>
           </a:bodyPr>
           <a:p>
-            <a:pPr marL="228600" indent="-228240">
+            <a:pPr marL="228600" indent="-227880">
               <a:lnSpc>
                 <a:spcPct val="90000"/>
               </a:lnSpc>
@@ -4219,14 +3901,11 @@
               <a:t>Scalable</a:t>
             </a:r>
             <a:endParaRPr b="0" lang="en-US" sz="2400" spc="-1" strike="noStrike">
-              <a:solidFill>
-                <a:srgbClr val="000000"/>
-              </a:solidFill>
-              <a:latin typeface="Calibri"/>
-            </a:endParaRPr>
-          </a:p>
-          <a:p>
-            <a:pPr marL="228600" indent="-228240">
+              <a:latin typeface="Arial"/>
+            </a:endParaRPr>
+          </a:p>
+          <a:p>
+            <a:pPr marL="228600" indent="-227880">
               <a:lnSpc>
                 <a:spcPct val="90000"/>
               </a:lnSpc>
@@ -4249,14 +3928,11 @@
               <a:t>Requests come sequentially with KEY(productId)</a:t>
             </a:r>
             <a:endParaRPr b="0" lang="en-US" sz="2400" spc="-1" strike="noStrike">
-              <a:solidFill>
-                <a:srgbClr val="000000"/>
-              </a:solidFill>
-              <a:latin typeface="Calibri"/>
-            </a:endParaRPr>
-          </a:p>
-          <a:p>
-            <a:pPr marL="228600" indent="-228240">
+              <a:latin typeface="Arial"/>
+            </a:endParaRPr>
+          </a:p>
+          <a:p>
+            <a:pPr marL="228600" indent="-227880">
               <a:lnSpc>
                 <a:spcPct val="90000"/>
               </a:lnSpc>
@@ -4279,14 +3955,11 @@
               <a:t>No Race Condition</a:t>
             </a:r>
             <a:endParaRPr b="0" lang="en-US" sz="2400" spc="-1" strike="noStrike">
-              <a:solidFill>
-                <a:srgbClr val="000000"/>
-              </a:solidFill>
-              <a:latin typeface="Calibri"/>
-            </a:endParaRPr>
-          </a:p>
-          <a:p>
-            <a:pPr marL="228600" indent="-228240">
+              <a:latin typeface="Arial"/>
+            </a:endParaRPr>
+          </a:p>
+          <a:p>
+            <a:pPr marL="228600" indent="-227880">
               <a:lnSpc>
                 <a:spcPct val="90000"/>
               </a:lnSpc>
@@ -4309,10 +3982,7 @@
               <a:t>No DB? No problem, messages safe in the KAFKA.</a:t>
             </a:r>
             <a:endParaRPr b="0" lang="en-US" sz="2400" spc="-1" strike="noStrike">
-              <a:solidFill>
-                <a:srgbClr val="000000"/>
-              </a:solidFill>
-              <a:latin typeface="Calibri"/>
+              <a:latin typeface="Arial"/>
             </a:endParaRPr>
           </a:p>
         </p:txBody>
@@ -4356,14 +4026,14 @@
       </p:grpSpPr>
       <p:sp>
         <p:nvSpPr>
-          <p:cNvPr id="72" name="Rectangle 80"/>
+          <p:cNvPr id="69" name="Rectangle 80"/>
           <p:cNvSpPr/>
           <p:nvPr/>
         </p:nvSpPr>
         <p:spPr>
           <a:xfrm>
             <a:off x="0" y="0"/>
-            <a:ext cx="12191760" cy="6857640"/>
+            <a:ext cx="12191400" cy="6857280"/>
           </a:xfrm>
           <a:prstGeom prst="rect">
             <a:avLst/>
@@ -4392,14 +4062,14 @@
       </p:sp>
       <p:sp>
         <p:nvSpPr>
-          <p:cNvPr id="73" name="Rounded Rectangle 26"/>
+          <p:cNvPr id="70" name="Rounded Rectangle 26"/>
           <p:cNvSpPr/>
           <p:nvPr/>
         </p:nvSpPr>
         <p:spPr>
           <a:xfrm>
             <a:off x="646920" y="640080"/>
-            <a:ext cx="10919880" cy="5577480"/>
+            <a:ext cx="10919520" cy="5577120"/>
           </a:xfrm>
           <a:prstGeom prst="roundRect">
             <a:avLst>
@@ -4439,14 +4109,14 @@
       </p:sp>
       <p:sp>
         <p:nvSpPr>
-          <p:cNvPr id="74" name="Rectangle 84"/>
+          <p:cNvPr id="71" name="Rectangle 84"/>
           <p:cNvSpPr/>
           <p:nvPr/>
         </p:nvSpPr>
         <p:spPr>
           <a:xfrm>
             <a:off x="968040" y="960120"/>
-            <a:ext cx="10277640" cy="4937400"/>
+            <a:ext cx="10277280" cy="4937040"/>
           </a:xfrm>
           <a:prstGeom prst="rect">
             <a:avLst/>
@@ -4475,14 +4145,14 @@
       </p:sp>
       <p:sp>
         <p:nvSpPr>
-          <p:cNvPr id="75" name="Title 1"/>
-          <p:cNvSpPr txBox="1"/>
+          <p:cNvPr id="72" name="Title 1"/>
+          <p:cNvSpPr/>
           <p:nvPr/>
         </p:nvSpPr>
         <p:spPr>
           <a:xfrm>
             <a:off x="1523880" y="1376280"/>
-            <a:ext cx="9143640" cy="2521080"/>
+            <a:ext cx="9143280" cy="2520720"/>
           </a:xfrm>
           <a:prstGeom prst="rect">
             <a:avLst/>
@@ -4492,8 +4162,14 @@
             <a:noFill/>
           </a:ln>
         </p:spPr>
-        <p:txBody>
-          <a:bodyPr anchor="b">
+        <p:style>
+          <a:lnRef idx="0"/>
+          <a:fillRef idx="0"/>
+          <a:effectRef idx="0"/>
+          <a:fontRef idx="minor"/>
+        </p:style>
+        <p:txBody>
+          <a:bodyPr lIns="90000" rIns="90000" tIns="45000" bIns="45000" anchor="b">
             <a:normAutofit/>
           </a:bodyPr>
           <a:p>
@@ -4512,17 +4188,14 @@
               <a:t>How does it look like?</a:t>
             </a:r>
             <a:endParaRPr b="0" lang="en-US" sz="7000" spc="-1" strike="noStrike">
-              <a:solidFill>
-                <a:srgbClr val="000000"/>
-              </a:solidFill>
-              <a:latin typeface="Calibri"/>
-            </a:endParaRPr>
-          </a:p>
-        </p:txBody>
-      </p:sp>
-      <p:sp>
-        <p:nvSpPr>
-          <p:cNvPr id="76" name="Straight Connector 86"/>
+              <a:latin typeface="Arial"/>
+            </a:endParaRPr>
+          </a:p>
+        </p:txBody>
+      </p:sp>
+      <p:sp>
+        <p:nvSpPr>
+          <p:cNvPr id="73" name="Straight Connector 86"/>
           <p:cNvSpPr/>
           <p:nvPr/>
         </p:nvSpPr>
@@ -4536,10 +4209,7 @@
           </a:prstGeom>
           <a:ln w="19050">
             <a:solidFill>
-              <a:srgbClr val="000000">
-                <a:lumMod val="50000"/>
-                <a:lumOff val="50000"/>
-              </a:srgbClr>
+              <a:srgbClr val="808080"/>
             </a:solidFill>
           </a:ln>
         </p:spPr>
@@ -4588,7 +4258,7 @@
       </p:grpSpPr>
       <p:pic>
         <p:nvPicPr>
-          <p:cNvPr id="77" name="Content Placeholder 8" descr="Diagram&#10;&#10;Description automatically generated"/>
+          <p:cNvPr id="74" name="Content Placeholder 8" descr="Diagram&#10;&#10;Description automatically generated"/>
           <p:cNvPicPr/>
           <p:nvPr/>
         </p:nvPicPr>
@@ -4599,7 +4269,7 @@
         <p:spPr>
           <a:xfrm>
             <a:off x="578520" y="501840"/>
-            <a:ext cx="11317680" cy="6000480"/>
+            <a:ext cx="11317320" cy="6000120"/>
           </a:xfrm>
           <a:prstGeom prst="rect">
             <a:avLst/>
@@ -4648,14 +4318,14 @@
       </p:grpSpPr>
       <p:sp>
         <p:nvSpPr>
-          <p:cNvPr id="78" name="Rectangle 70"/>
+          <p:cNvPr id="75" name="Rectangle 70"/>
           <p:cNvSpPr/>
           <p:nvPr/>
         </p:nvSpPr>
         <p:spPr>
           <a:xfrm>
             <a:off x="0" y="0"/>
-            <a:ext cx="12191760" cy="6857640"/>
+            <a:ext cx="12191400" cy="6857280"/>
           </a:xfrm>
           <a:prstGeom prst="rect">
             <a:avLst/>
@@ -4684,7 +4354,7 @@
       </p:sp>
       <p:pic>
         <p:nvPicPr>
-          <p:cNvPr id="79" name="Picture 2" descr=""/>
+          <p:cNvPr id="76" name="Picture 2" descr=""/>
           <p:cNvPicPr/>
           <p:nvPr/>
         </p:nvPicPr>
@@ -4698,7 +4368,7 @@
         <p:spPr>
           <a:xfrm>
             <a:off x="0" y="0"/>
-            <a:ext cx="12191760" cy="6857640"/>
+            <a:ext cx="12191400" cy="6857280"/>
           </a:xfrm>
           <a:prstGeom prst="rect">
             <a:avLst/>
@@ -4710,14 +4380,14 @@
       </p:pic>
       <p:sp>
         <p:nvSpPr>
-          <p:cNvPr id="80" name="Title 1"/>
-          <p:cNvSpPr txBox="1"/>
+          <p:cNvPr id="77" name="Title 1"/>
+          <p:cNvSpPr/>
           <p:nvPr/>
         </p:nvSpPr>
         <p:spPr>
           <a:xfrm>
             <a:off x="0" y="1065960"/>
-            <a:ext cx="4150800" cy="4726080"/>
+            <a:ext cx="4150440" cy="4725720"/>
           </a:xfrm>
           <a:prstGeom prst="rect">
             <a:avLst/>
@@ -4727,8 +4397,14 @@
             <a:noFill/>
           </a:ln>
         </p:spPr>
-        <p:txBody>
-          <a:bodyPr anchor="ctr">
+        <p:style>
+          <a:lnRef idx="0"/>
+          <a:fillRef idx="0"/>
+          <a:effectRef idx="0"/>
+          <a:fontRef idx="minor"/>
+        </p:style>
+        <p:txBody>
+          <a:bodyPr lIns="90000" rIns="90000" tIns="45000" bIns="45000" anchor="ctr">
             <a:normAutofit/>
           </a:bodyPr>
           <a:p>
@@ -4747,17 +4423,14 @@
               <a:t>What is missing? Improvements…</a:t>
             </a:r>
             <a:endParaRPr b="0" lang="en-US" sz="3700" spc="-1" strike="noStrike">
-              <a:solidFill>
-                <a:srgbClr val="000000"/>
-              </a:solidFill>
-              <a:latin typeface="Calibri"/>
-            </a:endParaRPr>
-          </a:p>
-        </p:txBody>
-      </p:sp>
-      <p:sp>
-        <p:nvSpPr>
-          <p:cNvPr id="81" name="Straight Connector 72"/>
+              <a:latin typeface="Arial"/>
+            </a:endParaRPr>
+          </a:p>
+        </p:txBody>
+      </p:sp>
+      <p:sp>
+        <p:nvSpPr>
+          <p:cNvPr id="78" name="Straight Connector 72"/>
           <p:cNvSpPr/>
           <p:nvPr/>
         </p:nvSpPr>
@@ -4790,14 +4463,14 @@
       </p:sp>
       <p:sp>
         <p:nvSpPr>
-          <p:cNvPr id="82" name="Content Placeholder 2"/>
-          <p:cNvSpPr txBox="1"/>
+          <p:cNvPr id="79" name="Content Placeholder 2"/>
+          <p:cNvSpPr/>
           <p:nvPr/>
         </p:nvSpPr>
         <p:spPr>
           <a:xfrm>
             <a:off x="5155200" y="1065960"/>
-            <a:ext cx="5744160" cy="4726080"/>
+            <a:ext cx="5743800" cy="4725720"/>
           </a:xfrm>
           <a:prstGeom prst="rect">
             <a:avLst/>
@@ -4807,12 +4480,18 @@
             <a:noFill/>
           </a:ln>
         </p:spPr>
-        <p:txBody>
-          <a:bodyPr anchor="ctr">
+        <p:style>
+          <a:lnRef idx="0"/>
+          <a:fillRef idx="0"/>
+          <a:effectRef idx="0"/>
+          <a:fontRef idx="minor"/>
+        </p:style>
+        <p:txBody>
+          <a:bodyPr lIns="90000" rIns="90000" tIns="45000" bIns="45000" anchor="ctr">
             <a:normAutofit/>
           </a:bodyPr>
           <a:p>
-            <a:pPr marL="228600" indent="-228240">
+            <a:pPr marL="228600" indent="-227880">
               <a:lnSpc>
                 <a:spcPct val="90000"/>
               </a:lnSpc>
@@ -4844,14 +4523,11 @@
               <a:t> (all of them)</a:t>
             </a:r>
             <a:endParaRPr b="0" lang="en-US" sz="2000" spc="-1" strike="noStrike">
-              <a:solidFill>
-                <a:srgbClr val="000000"/>
-              </a:solidFill>
-              <a:latin typeface="Calibri"/>
-            </a:endParaRPr>
-          </a:p>
-          <a:p>
-            <a:pPr marL="228600" indent="-228240">
+              <a:latin typeface="Arial"/>
+            </a:endParaRPr>
+          </a:p>
+          <a:p>
+            <a:pPr marL="228600" indent="-227880">
               <a:lnSpc>
                 <a:spcPct val="90000"/>
               </a:lnSpc>
@@ -4874,14 +4550,11 @@
               <a:t>Support client libraries for duplicated codes.</a:t>
             </a:r>
             <a:endParaRPr b="0" lang="en-US" sz="2000" spc="-1" strike="noStrike">
-              <a:solidFill>
-                <a:srgbClr val="000000"/>
-              </a:solidFill>
-              <a:latin typeface="Calibri"/>
-            </a:endParaRPr>
-          </a:p>
-          <a:p>
-            <a:pPr marL="228600" indent="-228240">
+              <a:latin typeface="Arial"/>
+            </a:endParaRPr>
+          </a:p>
+          <a:p>
+            <a:pPr marL="228600" indent="-227880">
               <a:lnSpc>
                 <a:spcPct val="90000"/>
               </a:lnSpc>
@@ -4904,14 +4577,11 @@
               <a:t>Implement Synchronous Kafka for better exception handling.</a:t>
             </a:r>
             <a:endParaRPr b="0" lang="en-US" sz="2000" spc="-1" strike="noStrike">
-              <a:solidFill>
-                <a:srgbClr val="000000"/>
-              </a:solidFill>
-              <a:latin typeface="Calibri"/>
-            </a:endParaRPr>
-          </a:p>
-          <a:p>
-            <a:pPr marL="228600" indent="-228240">
+              <a:latin typeface="Arial"/>
+            </a:endParaRPr>
+          </a:p>
+          <a:p>
+            <a:pPr marL="228600" indent="-227880">
               <a:lnSpc>
                 <a:spcPct val="90000"/>
               </a:lnSpc>
@@ -4934,10 +4604,106 @@
               <a:t>Service App‘s docker images.</a:t>
             </a:r>
             <a:endParaRPr b="0" lang="en-US" sz="2000" spc="-1" strike="noStrike">
-              <a:solidFill>
-                <a:srgbClr val="000000"/>
-              </a:solidFill>
-              <a:latin typeface="Calibri"/>
+              <a:latin typeface="Arial"/>
+            </a:endParaRPr>
+          </a:p>
+          <a:p>
+            <a:pPr marL="228600" indent="-227880">
+              <a:lnSpc>
+                <a:spcPct val="90000"/>
+              </a:lnSpc>
+              <a:spcBef>
+                <a:spcPts val="1001"/>
+              </a:spcBef>
+              <a:buClr>
+                <a:srgbClr val="ffffff"/>
+              </a:buClr>
+              <a:buFont typeface="Arial"/>
+              <a:buChar char="•"/>
+            </a:pPr>
+            <a:endParaRPr b="0" lang="en-US" sz="2000" spc="-1" strike="noStrike">
+              <a:latin typeface="Arial"/>
+            </a:endParaRPr>
+          </a:p>
+          <a:p>
+            <a:pPr marL="228600" indent="-227880">
+              <a:lnSpc>
+                <a:spcPct val="90000"/>
+              </a:lnSpc>
+              <a:spcBef>
+                <a:spcPts val="1001"/>
+              </a:spcBef>
+              <a:buClr>
+                <a:srgbClr val="ffffff"/>
+              </a:buClr>
+              <a:buFont typeface="Arial"/>
+              <a:buChar char="•"/>
+            </a:pPr>
+            <a:r>
+              <a:rPr b="0" lang="de-DE" sz="2000" spc="-1" strike="noStrike">
+                <a:solidFill>
+                  <a:srgbClr val="ffffff"/>
+                </a:solidFill>
+                <a:latin typeface="Calibri"/>
+              </a:rPr>
+              <a:t>What should I do?</a:t>
+            </a:r>
+            <a:endParaRPr b="0" lang="en-US" sz="2000" spc="-1" strike="noStrike">
+              <a:latin typeface="Arial"/>
+            </a:endParaRPr>
+          </a:p>
+          <a:p>
+            <a:pPr marL="228600" indent="-227880">
+              <a:lnSpc>
+                <a:spcPct val="90000"/>
+              </a:lnSpc>
+              <a:spcBef>
+                <a:spcPts val="1001"/>
+              </a:spcBef>
+              <a:buClr>
+                <a:srgbClr val="ffffff"/>
+              </a:buClr>
+              <a:buFont typeface="Arial"/>
+              <a:buChar char="•"/>
+            </a:pPr>
+            <a:r>
+              <a:rPr b="0" lang="de-DE" sz="2000" spc="-1" strike="noStrike">
+                <a:solidFill>
+                  <a:srgbClr val="ffffff"/>
+                </a:solidFill>
+                <a:latin typeface="Calibri"/>
+              </a:rPr>
+              <a:t>Api first design</a:t>
+            </a:r>
+            <a:endParaRPr b="0" lang="en-US" sz="2000" spc="-1" strike="noStrike">
+              <a:latin typeface="Arial"/>
+            </a:endParaRPr>
+          </a:p>
+          <a:p>
+            <a:pPr marL="228600" indent="-227880">
+              <a:lnSpc>
+                <a:spcPct val="90000"/>
+              </a:lnSpc>
+              <a:spcBef>
+                <a:spcPts val="1001"/>
+              </a:spcBef>
+              <a:buClr>
+                <a:srgbClr val="ffffff"/>
+              </a:buClr>
+              <a:buFont typeface="Arial"/>
+              <a:buChar char="•"/>
+            </a:pPr>
+            <a:r>
+              <a:rPr b="0" lang="de-DE" sz="2000" spc="-1" strike="noStrike">
+                <a:solidFill>
+                  <a:srgbClr val="ffffff"/>
+                </a:solidFill>
+                <a:latin typeface="Calibri"/>
+              </a:rPr>
+              <a:t>TTD approach</a:t>
+            </a:r>
+            <a:endParaRPr b="0" lang="en-US" sz="2000" spc="-1" strike="noStrike">
+              <a:latin typeface="Arial"/>
             </a:endParaRPr>
           </a:p>
         </p:txBody>
